--- a/Officer.pptx
+++ b/Officer.pptx
@@ -10,6 +10,8 @@
     <p:sldId id="258" r:id="rId8"/>
     <p:sldId id="259" r:id="rId9"/>
     <p:sldId id="260" r:id="rId10"/>
+    <p:sldId id="261" r:id="rId11"/>
+    <p:sldId id="262" r:id="rId12"/>
   </p:sldIdLst>
   <p:sldSz cx="12192000" cy="6858000"/>
   <p:notesSz cx="6858000" cy="9144000"/>
@@ -4067,6 +4069,154 @@
 </p:sld>
 </file>
 
+<file path=ppt/slides/slide6.xml><?xml version="1.0" encoding="utf-8"?>
+<p:sld xmlns:a="http://schemas.openxmlformats.org/drawingml/2006/main" xmlns:r="http://schemas.openxmlformats.org/officeDocument/2006/relationships" xmlns:p="http://schemas.openxmlformats.org/presentationml/2006/main">
+  <p:cSld>
+    <p:spTree>
+      <p:nvGrpSpPr>
+        <p:cNvPr id="1" name=""/>
+        <p:cNvGrpSpPr/>
+        <p:nvPr/>
+      </p:nvGrpSpPr>
+      <p:grpSpPr>
+        <a:xfrm>
+          <a:off x="0" y="0"/>
+          <a:ext cx="0" cy="0"/>
+          <a:chOff x="0" y="0"/>
+          <a:chExt cx="0" cy="0"/>
+        </a:xfrm>
+      </p:grpSpPr>
+      <p:sp xmlns:a="http://schemas.openxmlformats.org/drawingml/2006/main" xmlns:r="http://schemas.openxmlformats.org/officeDocument/2006/relationships" xmlns:p="http://schemas.openxmlformats.org/presentationml/2006/main">
+        <p:nvSpPr>
+          <p:cNvPr id="2" name=""/>
+          <p:cNvSpPr>
+            <a:spLocks noGrp="1"/>
+          </p:cNvSpPr>
+          <p:nvPr>
+            <p:ph type="title"/>
+          </p:nvPr>
+        </p:nvSpPr>
+        <p:spPr>
+          <a:xfrm>
+            <a:off x="1451206" y="1129513"/>
+            <a:ext cx="5532328" cy="1830584"/>
+          </a:xfrm>
+        </p:spPr>
+        <p:txBody>
+          <a:bodyPr/>
+          <a:lstStyle/>
+          <a:p>
+            <a:r>
+              <a:rPr/>
+              <a:t>What is a Bear Market?</a:t>
+            </a:r>
+          </a:p>
+        </p:txBody>
+      </p:sp>
+      <p:pic xmlns:a="http://schemas.openxmlformats.org/drawingml/2006/main" xmlns:r="http://schemas.openxmlformats.org/officeDocument/2006/relationships" xmlns:p="http://schemas.openxmlformats.org/presentationml/2006/main">
+        <p:nvPicPr>
+          <p:cNvPr id="3" name="pic"/>
+          <p:cNvPicPr/>
+          <p:nvPr/>
+        </p:nvPicPr>
+        <p:blipFill>
+          <a:blip cstate="print" r:embed="rId2"/>
+          <a:stretch>
+            <a:fillRect/>
+          </a:stretch>
+        </p:blipFill>
+        <p:spPr>
+          <a:xfrm>
+            <a:off x="8124389" y="1122542"/>
+            <a:ext cx="2791171" cy="1828800"/>
+          </a:xfrm>
+          <a:prstGeom prst="rect">
+            <a:avLst/>
+          </a:prstGeom>
+        </p:spPr>
+      </p:pic>
+    </p:spTree>
+  </p:cSld>
+  <p:clrMapOvr>
+    <a:masterClrMapping/>
+  </p:clrMapOvr>
+</p:sld>
+</file>
+
+<file path=ppt/slides/slide7.xml><?xml version="1.0" encoding="utf-8"?>
+<p:sld xmlns:a="http://schemas.openxmlformats.org/drawingml/2006/main" xmlns:r="http://schemas.openxmlformats.org/officeDocument/2006/relationships" xmlns:p="http://schemas.openxmlformats.org/presentationml/2006/main">
+  <p:cSld>
+    <p:spTree>
+      <p:nvGrpSpPr>
+        <p:cNvPr id="1" name=""/>
+        <p:cNvGrpSpPr/>
+        <p:nvPr/>
+      </p:nvGrpSpPr>
+      <p:grpSpPr>
+        <a:xfrm>
+          <a:off x="0" y="0"/>
+          <a:ext cx="0" cy="0"/>
+          <a:chOff x="0" y="0"/>
+          <a:chExt cx="0" cy="0"/>
+        </a:xfrm>
+      </p:grpSpPr>
+      <p:sp xmlns:a="http://schemas.openxmlformats.org/drawingml/2006/main" xmlns:r="http://schemas.openxmlformats.org/officeDocument/2006/relationships" xmlns:p="http://schemas.openxmlformats.org/presentationml/2006/main">
+        <p:nvSpPr>
+          <p:cNvPr id="2" name=""/>
+          <p:cNvSpPr>
+            <a:spLocks noGrp="1"/>
+          </p:cNvSpPr>
+          <p:nvPr>
+            <p:ph type="title"/>
+          </p:nvPr>
+        </p:nvSpPr>
+        <p:spPr>
+          <a:xfrm>
+            <a:off x="1451206" y="1129513"/>
+            <a:ext cx="5532328" cy="1830584"/>
+          </a:xfrm>
+        </p:spPr>
+        <p:txBody>
+          <a:bodyPr/>
+          <a:lstStyle/>
+          <a:p>
+            <a:r>
+              <a:rPr/>
+              <a:t>Stock Market Indexes: the Dow Jones Industrial Average</a:t>
+            </a:r>
+          </a:p>
+        </p:txBody>
+      </p:sp>
+      <p:pic xmlns:a="http://schemas.openxmlformats.org/drawingml/2006/main" xmlns:r="http://schemas.openxmlformats.org/officeDocument/2006/relationships" xmlns:p="http://schemas.openxmlformats.org/presentationml/2006/main">
+        <p:nvPicPr>
+          <p:cNvPr id="3" name="pic"/>
+          <p:cNvPicPr/>
+          <p:nvPr/>
+        </p:nvPicPr>
+        <p:blipFill>
+          <a:blip cstate="print" r:embed="rId2"/>
+          <a:stretch>
+            <a:fillRect/>
+          </a:stretch>
+        </p:blipFill>
+        <p:spPr>
+          <a:xfrm>
+            <a:off x="8124389" y="1122542"/>
+            <a:ext cx="2791171" cy="1828800"/>
+          </a:xfrm>
+          <a:prstGeom prst="rect">
+            <a:avLst/>
+          </a:prstGeom>
+        </p:spPr>
+      </p:pic>
+    </p:spTree>
+  </p:cSld>
+  <p:clrMapOvr>
+    <a:masterClrMapping/>
+  </p:clrMapOvr>
+</p:sld>
+</file>
+
 <file path=ppt/theme/theme1.xml><?xml version="1.0" encoding="utf-8"?>
 <a:theme xmlns:a="http://schemas.openxmlformats.org/drawingml/2006/main" name="Gallery">
   <a:themeElements>

--- a/Officer.pptx
+++ b/Officer.pptx
@@ -3697,7 +3697,7 @@
           <a:p>
             <a:r>
               <a:rPr/>
-              <a:t>2018-11-12</a:t>
+              <a:t>2018-11-13</a:t>
             </a:r>
           </a:p>
         </p:txBody>
@@ -3767,8 +3767,8 @@
         </p:nvSpPr>
         <p:spPr>
           <a:xfrm>
-            <a:off x="1451579" y="804519"/>
-            <a:ext cx="9603275" cy="1049235"/>
+            <a:off x="1449217" y="804889"/>
+            <a:ext cx="9605635" cy="1059305"/>
           </a:xfrm>
         </p:spPr>
         <p:txBody>
@@ -3777,7 +3777,7 @@
           <a:p>
             <a:r>
               <a:rPr/>
-              <a:t>Investing in Stocks</a:t>
+              <a:t>Investing in Stock</a:t>
             </a:r>
           </a:p>
         </p:txBody>
@@ -3788,12 +3788,14 @@
           <p:cNvSpPr>
             <a:spLocks noGrp="1"/>
           </p:cNvSpPr>
-          <p:nvPr/>
-        </p:nvSpPr>
-        <p:spPr>
-          <a:xfrm>
-            <a:off x="1453896" y="1847088"/>
-            <a:ext cx="9607522" cy="0"/>
+          <p:nvPr>
+            <p:ph sz="half" idx="2"/>
+          </p:nvPr>
+        </p:nvSpPr>
+        <p:spPr>
+          <a:xfrm>
+            <a:off x="6413771" y="2017343"/>
+            <a:ext cx="4645152" cy="3441520"/>
           </a:xfrm>
         </p:spPr>
         <p:txBody>
@@ -3843,13 +3845,13 @@
             <a:spLocks noGrp="1"/>
           </p:cNvSpPr>
           <p:nvPr>
-            <p:ph type="body" orient="vert" idx="1"/>
-          </p:nvPr>
-        </p:nvSpPr>
-        <p:spPr>
-          <a:xfrm>
-            <a:off x="1451579" y="2015732"/>
-            <a:ext cx="9603275" cy="3450613"/>
+            <p:ph sz="half" idx="2"/>
+          </p:nvPr>
+        </p:nvSpPr>
+        <p:spPr>
+          <a:xfrm>
+            <a:off x="6413771" y="2017343"/>
+            <a:ext cx="4645152" cy="3441520"/>
           </a:xfrm>
         </p:spPr>
         <p:txBody>
@@ -3960,7 +3962,7 @@
           <a:p>
             <a:r>
               <a:rPr/>
-              <a:t>As George sees it</a:t>
+              <a:t>What is a Bear Market?</a:t>
             </a:r>
           </a:p>
         </p:txBody>
@@ -4034,7 +4036,7 @@
           <a:p>
             <a:r>
               <a:rPr/>
-              <a:t>As George sees it</a:t>
+              <a:t>Stock Market Indexes: the Dow Jones Industrial Average</a:t>
             </a:r>
           </a:p>
         </p:txBody>
@@ -4096,45 +4098,93 @@
             <p:ph type="title"/>
           </p:nvPr>
         </p:nvSpPr>
-        <p:spPr>
-          <a:xfrm>
-            <a:off x="1451206" y="1129513"/>
-            <a:ext cx="5532328" cy="1830584"/>
-          </a:xfrm>
-        </p:spPr>
-        <p:txBody>
-          <a:bodyPr/>
-          <a:lstStyle/>
-          <a:p>
-            <a:r>
-              <a:rPr/>
-              <a:t>What is a Bear Market?</a:t>
-            </a:r>
-          </a:p>
-        </p:txBody>
-      </p:sp>
-      <p:pic xmlns:a="http://schemas.openxmlformats.org/drawingml/2006/main" xmlns:r="http://schemas.openxmlformats.org/officeDocument/2006/relationships" xmlns:p="http://schemas.openxmlformats.org/presentationml/2006/main">
-        <p:nvPicPr>
-          <p:cNvPr id="3" name="pic"/>
-          <p:cNvPicPr/>
-          <p:nvPr/>
-        </p:nvPicPr>
-        <p:blipFill>
-          <a:blip cstate="print" r:embed="rId2"/>
-          <a:stretch>
-            <a:fillRect/>
-          </a:stretch>
-        </p:blipFill>
-        <p:spPr>
-          <a:xfrm>
-            <a:off x="8124389" y="1122542"/>
-            <a:ext cx="2791171" cy="1828800"/>
-          </a:xfrm>
-          <a:prstGeom prst="rect">
-            <a:avLst/>
-          </a:prstGeom>
-        </p:spPr>
-      </p:pic>
+        <p:spPr/>
+        <p:txBody xmlns:a="http://schemas.openxmlformats.org/drawingml/2006/main" xmlns:r="http://schemas.openxmlformats.org/officeDocument/2006/relationships" xmlns:p="http://schemas.openxmlformats.org/presentationml/2006/main">
+          <a:bodyPr/>
+          <a:lstStyle/>
+          <a:p xmlns:a="http://schemas.openxmlformats.org/drawingml/2006/main" xmlns:r="http://schemas.openxmlformats.org/officeDocument/2006/relationships" xmlns:p="http://schemas.openxmlformats.org/presentationml/2006/main">
+            <a:pPr xmlns:a="http://schemas.openxmlformats.org/drawingml/2006/main" xmlns:r="http://schemas.openxmlformats.org/officeDocument/2006/relationships" xmlns:p="http://schemas.openxmlformats.org/presentationml/2006/main"/>
+            <a:r>
+              <a:rPr sz="4400" b="1">
+                <a:solidFill>
+                  <a:srgbClr val="000000">
+                    <a:alpha val="100000"/>
+                  </a:srgbClr>
+                </a:solidFill>
+                <a:latin typeface="Arial (Headings)"/>
+                <a:cs typeface="Arial (Headings)"/>
+              </a:rPr>
+              <a:t>the last Bear Market</a:t>
+            </a:r>
+          </a:p>
+        </p:txBody>
+      </p:sp>
+      <p:sp xmlns:a="http://schemas.openxmlformats.org/drawingml/2006/main" xmlns:r="http://schemas.openxmlformats.org/officeDocument/2006/relationships" xmlns:p="http://schemas.openxmlformats.org/presentationml/2006/main">
+        <p:nvSpPr>
+          <p:cNvPr id="3" name=""/>
+          <p:cNvSpPr>
+            <a:spLocks noGrp="1"/>
+          </p:cNvSpPr>
+          <p:nvPr>
+            <p:ph idx="1"/>
+          </p:nvPr>
+        </p:nvSpPr>
+        <p:spPr>
+          <a:xfrm>
+            <a:off x="1451579" y="2015732"/>
+            <a:ext cx="9603275" cy="3450613"/>
+          </a:xfrm>
+        </p:spPr>
+        <p:txBody>
+          <a:bodyPr/>
+          <a:lstStyle/>
+          <a:p>
+            <a:pPr/>
+            <a:r>
+              <a:rPr sz="3600" b="1">
+                <a:solidFill>
+                  <a:srgbClr val="000000">
+                    <a:alpha val="100000"/>
+                  </a:srgbClr>
+                </a:solidFill>
+                <a:latin typeface="Arial"/>
+                <a:cs typeface="Arial"/>
+              </a:rPr>
+              <a:t>Sept. 30, 2002 Dow 7528</a:t>
+            </a:r>
+          </a:p>
+          <a:p>
+            <a:pPr/>
+            <a:r>
+              <a:rPr sz="3600" b="1">
+                <a:solidFill>
+                  <a:srgbClr val="000000">
+                    <a:alpha val="100000"/>
+                  </a:srgbClr>
+                </a:solidFill>
+                <a:latin typeface="Arial"/>
+                <a:cs typeface="Arial"/>
+              </a:rPr>
+              <a:t>Jan. 5, 2004 Dow 10,568</a:t>
+            </a:r>
+          </a:p>
+          <a:p>
+            <a:pPr/>
+            <a:r>
+              <a:rPr sz="3600" b="1">
+                <a:solidFill>
+                  <a:srgbClr val="000000">
+                    <a:alpha val="100000"/>
+                  </a:srgbClr>
+                </a:solidFill>
+                <a:latin typeface="Arial"/>
+                <a:cs typeface="Arial"/>
+              </a:rPr>
+              <a:t>Oct. 8, 2007 Dow 14093</a:t>
+            </a:r>
+          </a:p>
+        </p:txBody>
+      </p:sp>
     </p:spTree>
   </p:cSld>
   <p:clrMapOvr>
@@ -4170,45 +4220,108 @@
             <p:ph type="title"/>
           </p:nvPr>
         </p:nvSpPr>
-        <p:spPr>
-          <a:xfrm>
-            <a:off x="1451206" y="1129513"/>
-            <a:ext cx="5532328" cy="1830584"/>
-          </a:xfrm>
-        </p:spPr>
-        <p:txBody>
-          <a:bodyPr/>
-          <a:lstStyle/>
-          <a:p>
-            <a:r>
-              <a:rPr/>
-              <a:t>Stock Market Indexes: the Dow Jones Industrial Average</a:t>
-            </a:r>
-          </a:p>
-        </p:txBody>
-      </p:sp>
-      <p:pic xmlns:a="http://schemas.openxmlformats.org/drawingml/2006/main" xmlns:r="http://schemas.openxmlformats.org/officeDocument/2006/relationships" xmlns:p="http://schemas.openxmlformats.org/presentationml/2006/main">
-        <p:nvPicPr>
-          <p:cNvPr id="3" name="pic"/>
-          <p:cNvPicPr/>
-          <p:nvPr/>
-        </p:nvPicPr>
-        <p:blipFill>
-          <a:blip cstate="print" r:embed="rId2"/>
-          <a:stretch>
-            <a:fillRect/>
-          </a:stretch>
-        </p:blipFill>
-        <p:spPr>
-          <a:xfrm>
-            <a:off x="8124389" y="1122542"/>
-            <a:ext cx="2791171" cy="1828800"/>
-          </a:xfrm>
-          <a:prstGeom prst="rect">
-            <a:avLst/>
-          </a:prstGeom>
-        </p:spPr>
-      </p:pic>
+        <p:spPr/>
+        <p:txBody xmlns:a="http://schemas.openxmlformats.org/drawingml/2006/main" xmlns:r="http://schemas.openxmlformats.org/officeDocument/2006/relationships" xmlns:p="http://schemas.openxmlformats.org/presentationml/2006/main">
+          <a:bodyPr/>
+          <a:lstStyle/>
+          <a:p xmlns:a="http://schemas.openxmlformats.org/drawingml/2006/main" xmlns:r="http://schemas.openxmlformats.org/officeDocument/2006/relationships" xmlns:p="http://schemas.openxmlformats.org/presentationml/2006/main">
+            <a:pPr xmlns:a="http://schemas.openxmlformats.org/drawingml/2006/main" xmlns:r="http://schemas.openxmlformats.org/officeDocument/2006/relationships" xmlns:p="http://schemas.openxmlformats.org/presentationml/2006/main"/>
+            <a:r>
+              <a:rPr sz="4400" b="1">
+                <a:solidFill>
+                  <a:srgbClr val="000000">
+                    <a:alpha val="100000"/>
+                  </a:srgbClr>
+                </a:solidFill>
+                <a:latin typeface="Arial (Headings)"/>
+                <a:cs typeface="Arial (Headings)"/>
+              </a:rPr>
+              <a:t>What I do in a Bear Market</a:t>
+            </a:r>
+          </a:p>
+        </p:txBody>
+      </p:sp>
+      <p:sp xmlns:a="http://schemas.openxmlformats.org/drawingml/2006/main" xmlns:r="http://schemas.openxmlformats.org/officeDocument/2006/relationships" xmlns:p="http://schemas.openxmlformats.org/presentationml/2006/main">
+        <p:nvSpPr>
+          <p:cNvPr id="3" name=""/>
+          <p:cNvSpPr>
+            <a:spLocks noGrp="1"/>
+          </p:cNvSpPr>
+          <p:nvPr>
+            <p:ph idx="1"/>
+          </p:nvPr>
+        </p:nvSpPr>
+        <p:spPr>
+          <a:xfrm>
+            <a:off x="1451579" y="2015732"/>
+            <a:ext cx="9603275" cy="3450613"/>
+          </a:xfrm>
+        </p:spPr>
+        <p:txBody>
+          <a:bodyPr/>
+          <a:lstStyle/>
+          <a:p>
+            <a:pPr/>
+            <a:r>
+              <a:rPr sz="2800" b="1">
+                <a:solidFill>
+                  <a:srgbClr val="000000">
+                    <a:alpha val="100000"/>
+                  </a:srgbClr>
+                </a:solidFill>
+                <a:latin typeface="Arial"/>
+                <a:cs typeface="Arial"/>
+              </a:rPr>
+              <a:t>Decide whether this is a market correction or the start of something more</a:t>
+            </a:r>
+          </a:p>
+          <a:p>
+            <a:pPr/>
+            <a:r>
+              <a:rPr sz="2800" b="1">
+                <a:solidFill>
+                  <a:srgbClr val="000000">
+                    <a:alpha val="100000"/>
+                  </a:srgbClr>
+                </a:solidFill>
+                <a:latin typeface="Arial"/>
+                <a:cs typeface="Arial"/>
+              </a:rPr>
+              <a:t>Review the stocks you own</a:t>
+            </a:r>
+          </a:p>
+          <a:p>
+            <a:pPr/>
+            <a:r>
+              <a:rPr sz="2800" b="1">
+                <a:solidFill>
+                  <a:srgbClr val="000000">
+                    <a:alpha val="100000"/>
+                  </a:srgbClr>
+                </a:solidFill>
+                <a:latin typeface="Arial"/>
+                <a:cs typeface="Arial"/>
+              </a:rPr>
+              <a:t>Review stocks you wanted to own but were too expensive at time of research</a:t>
+            </a:r>
+          </a:p>
+          <a:p>
+            <a:pPr/>
+            <a:r>
+              <a:rPr sz="2800" b="1">
+                <a:solidFill>
+                  <a:srgbClr val="000000">
+                    <a:alpha val="100000"/>
+                  </a:srgbClr>
+                </a:solidFill>
+                <a:latin typeface="Arial"/>
+                <a:cs typeface="Arial"/>
+              </a:rPr>
+              <a:t>Check your portfolio for balance or the type of stocks you own</a:t>
+            </a:r>
+          </a:p>
+        </p:txBody>
+      </p:sp>
     </p:spTree>
   </p:cSld>
   <p:clrMapOvr>

--- a/Officer.pptx
+++ b/Officer.pptx
@@ -10,8 +10,6 @@
     <p:sldId id="258" r:id="rId8"/>
     <p:sldId id="259" r:id="rId9"/>
     <p:sldId id="260" r:id="rId10"/>
-    <p:sldId id="261" r:id="rId11"/>
-    <p:sldId id="262" r:id="rId12"/>
   </p:sldIdLst>
   <p:sldSz cx="12192000" cy="6858000"/>
   <p:notesSz cx="6858000" cy="9144000"/>
@@ -3697,7 +3695,7 @@
           <a:p>
             <a:r>
               <a:rPr/>
-              <a:t>2018-11-12</a:t>
+              <a:t>2018-11-15</a:t>
             </a:r>
           </a:p>
         </p:txBody>
@@ -3767,8 +3765,8 @@
         </p:nvSpPr>
         <p:spPr>
           <a:xfrm>
-            <a:off x="1451579" y="804519"/>
-            <a:ext cx="9603275" cy="1049235"/>
+            <a:off x="1449217" y="804889"/>
+            <a:ext cx="9605635" cy="1059305"/>
           </a:xfrm>
         </p:spPr>
         <p:txBody>
@@ -3777,7 +3775,7 @@
           <a:p>
             <a:r>
               <a:rPr/>
-              <a:t>Investing in Stocks</a:t>
+              <a:t>Investing in Stock</a:t>
             </a:r>
           </a:p>
         </p:txBody>
@@ -3788,12 +3786,14 @@
           <p:cNvSpPr>
             <a:spLocks noGrp="1"/>
           </p:cNvSpPr>
-          <p:nvPr/>
-        </p:nvSpPr>
-        <p:spPr>
-          <a:xfrm>
-            <a:off x="1453896" y="1847088"/>
-            <a:ext cx="9607522" cy="0"/>
+          <p:nvPr>
+            <p:ph sz="half" idx="2"/>
+          </p:nvPr>
+        </p:nvSpPr>
+        <p:spPr>
+          <a:xfrm>
+            <a:off x="6413771" y="2017343"/>
+            <a:ext cx="4645152" cy="3441520"/>
           </a:xfrm>
         </p:spPr>
         <p:txBody>
@@ -3843,13 +3843,13 @@
             <a:spLocks noGrp="1"/>
           </p:cNvSpPr>
           <p:nvPr>
-            <p:ph type="body" orient="vert" idx="1"/>
-          </p:nvPr>
-        </p:nvSpPr>
-        <p:spPr>
-          <a:xfrm>
-            <a:off x="1451579" y="2015732"/>
-            <a:ext cx="9603275" cy="3450613"/>
+            <p:ph sz="half" idx="2"/>
+          </p:nvPr>
+        </p:nvSpPr>
+        <p:spPr>
+          <a:xfrm>
+            <a:off x="6413771" y="2017343"/>
+            <a:ext cx="4645152" cy="3441520"/>
           </a:xfrm>
         </p:spPr>
         <p:txBody>
@@ -3960,7 +3960,7 @@
           <a:p>
             <a:r>
               <a:rPr/>
-              <a:t>As George sees it</a:t>
+              <a:t>What is a Bear Market?</a:t>
             </a:r>
           </a:p>
         </p:txBody>
@@ -3996,154 +3996,6 @@
 </file>
 
 <file path=ppt/slides/slide5.xml><?xml version="1.0" encoding="utf-8"?>
-<p:sld xmlns:a="http://schemas.openxmlformats.org/drawingml/2006/main" xmlns:r="http://schemas.openxmlformats.org/officeDocument/2006/relationships" xmlns:p="http://schemas.openxmlformats.org/presentationml/2006/main">
-  <p:cSld>
-    <p:spTree>
-      <p:nvGrpSpPr>
-        <p:cNvPr id="1" name=""/>
-        <p:cNvGrpSpPr/>
-        <p:nvPr/>
-      </p:nvGrpSpPr>
-      <p:grpSpPr>
-        <a:xfrm>
-          <a:off x="0" y="0"/>
-          <a:ext cx="0" cy="0"/>
-          <a:chOff x="0" y="0"/>
-          <a:chExt cx="0" cy="0"/>
-        </a:xfrm>
-      </p:grpSpPr>
-      <p:sp xmlns:a="http://schemas.openxmlformats.org/drawingml/2006/main" xmlns:r="http://schemas.openxmlformats.org/officeDocument/2006/relationships" xmlns:p="http://schemas.openxmlformats.org/presentationml/2006/main">
-        <p:nvSpPr>
-          <p:cNvPr id="2" name=""/>
-          <p:cNvSpPr>
-            <a:spLocks noGrp="1"/>
-          </p:cNvSpPr>
-          <p:nvPr>
-            <p:ph type="title"/>
-          </p:nvPr>
-        </p:nvSpPr>
-        <p:spPr>
-          <a:xfrm>
-            <a:off x="1451206" y="1129513"/>
-            <a:ext cx="5532328" cy="1830584"/>
-          </a:xfrm>
-        </p:spPr>
-        <p:txBody>
-          <a:bodyPr/>
-          <a:lstStyle/>
-          <a:p>
-            <a:r>
-              <a:rPr/>
-              <a:t>As George sees it</a:t>
-            </a:r>
-          </a:p>
-        </p:txBody>
-      </p:sp>
-      <p:pic xmlns:a="http://schemas.openxmlformats.org/drawingml/2006/main" xmlns:r="http://schemas.openxmlformats.org/officeDocument/2006/relationships" xmlns:p="http://schemas.openxmlformats.org/presentationml/2006/main">
-        <p:nvPicPr>
-          <p:cNvPr id="3" name="pic"/>
-          <p:cNvPicPr/>
-          <p:nvPr/>
-        </p:nvPicPr>
-        <p:blipFill>
-          <a:blip cstate="print" r:embed="rId2"/>
-          <a:stretch>
-            <a:fillRect/>
-          </a:stretch>
-        </p:blipFill>
-        <p:spPr>
-          <a:xfrm>
-            <a:off x="8124389" y="1122542"/>
-            <a:ext cx="2791171" cy="1828800"/>
-          </a:xfrm>
-          <a:prstGeom prst="rect">
-            <a:avLst/>
-          </a:prstGeom>
-        </p:spPr>
-      </p:pic>
-    </p:spTree>
-  </p:cSld>
-  <p:clrMapOvr>
-    <a:masterClrMapping/>
-  </p:clrMapOvr>
-</p:sld>
-</file>
-
-<file path=ppt/slides/slide6.xml><?xml version="1.0" encoding="utf-8"?>
-<p:sld xmlns:a="http://schemas.openxmlformats.org/drawingml/2006/main" xmlns:r="http://schemas.openxmlformats.org/officeDocument/2006/relationships" xmlns:p="http://schemas.openxmlformats.org/presentationml/2006/main">
-  <p:cSld>
-    <p:spTree>
-      <p:nvGrpSpPr>
-        <p:cNvPr id="1" name=""/>
-        <p:cNvGrpSpPr/>
-        <p:nvPr/>
-      </p:nvGrpSpPr>
-      <p:grpSpPr>
-        <a:xfrm>
-          <a:off x="0" y="0"/>
-          <a:ext cx="0" cy="0"/>
-          <a:chOff x="0" y="0"/>
-          <a:chExt cx="0" cy="0"/>
-        </a:xfrm>
-      </p:grpSpPr>
-      <p:sp xmlns:a="http://schemas.openxmlformats.org/drawingml/2006/main" xmlns:r="http://schemas.openxmlformats.org/officeDocument/2006/relationships" xmlns:p="http://schemas.openxmlformats.org/presentationml/2006/main">
-        <p:nvSpPr>
-          <p:cNvPr id="2" name=""/>
-          <p:cNvSpPr>
-            <a:spLocks noGrp="1"/>
-          </p:cNvSpPr>
-          <p:nvPr>
-            <p:ph type="title"/>
-          </p:nvPr>
-        </p:nvSpPr>
-        <p:spPr>
-          <a:xfrm>
-            <a:off x="1451206" y="1129513"/>
-            <a:ext cx="5532328" cy="1830584"/>
-          </a:xfrm>
-        </p:spPr>
-        <p:txBody>
-          <a:bodyPr/>
-          <a:lstStyle/>
-          <a:p>
-            <a:r>
-              <a:rPr/>
-              <a:t>What is a Bear Market?</a:t>
-            </a:r>
-          </a:p>
-        </p:txBody>
-      </p:sp>
-      <p:pic xmlns:a="http://schemas.openxmlformats.org/drawingml/2006/main" xmlns:r="http://schemas.openxmlformats.org/officeDocument/2006/relationships" xmlns:p="http://schemas.openxmlformats.org/presentationml/2006/main">
-        <p:nvPicPr>
-          <p:cNvPr id="3" name="pic"/>
-          <p:cNvPicPr/>
-          <p:nvPr/>
-        </p:nvPicPr>
-        <p:blipFill>
-          <a:blip cstate="print" r:embed="rId2"/>
-          <a:stretch>
-            <a:fillRect/>
-          </a:stretch>
-        </p:blipFill>
-        <p:spPr>
-          <a:xfrm>
-            <a:off x="8124389" y="1122542"/>
-            <a:ext cx="2791171" cy="1828800"/>
-          </a:xfrm>
-          <a:prstGeom prst="rect">
-            <a:avLst/>
-          </a:prstGeom>
-        </p:spPr>
-      </p:pic>
-    </p:spTree>
-  </p:cSld>
-  <p:clrMapOvr>
-    <a:masterClrMapping/>
-  </p:clrMapOvr>
-</p:sld>
-</file>
-
-<file path=ppt/slides/slide7.xml><?xml version="1.0" encoding="utf-8"?>
 <p:sld xmlns:a="http://schemas.openxmlformats.org/drawingml/2006/main" xmlns:r="http://schemas.openxmlformats.org/officeDocument/2006/relationships" xmlns:p="http://schemas.openxmlformats.org/presentationml/2006/main">
   <p:cSld>
     <p:spTree>

--- a/Officer.pptx
+++ b/Officer.pptx
@@ -5,11 +5,14 @@
     <p:sldMasterId id="2147483648" r:id="rId1"/>
   </p:sldMasterIdLst>
   <p:sldIdLst xmlns:a="http://schemas.openxmlformats.org/drawingml/2006/main" xmlns:r="http://schemas.openxmlformats.org/officeDocument/2006/relationships" xmlns:p="http://schemas.openxmlformats.org/presentationml/2006/main">
-    <p:sldId id="256" r:id="rId2"/>
     <p:sldId id="257" r:id="rId7"/>
     <p:sldId id="258" r:id="rId8"/>
     <p:sldId id="259" r:id="rId9"/>
     <p:sldId id="260" r:id="rId10"/>
+    <p:sldId id="261" r:id="rId11"/>
+    <p:sldId id="262" r:id="rId12"/>
+    <p:sldId id="263" r:id="rId13"/>
+    <p:sldId id="264" r:id="rId14"/>
   </p:sldIdLst>
   <p:sldSz cx="12192000" cy="6858000"/>
   <p:notesSz cx="6858000" cy="9144000"/>
@@ -3549,86 +3552,6 @@
 </p:sldMaster>
 </file>
 
-<file path=ppt/slides/slide1.xml><?xml version="1.0" encoding="utf-8"?>
-<p:sld xmlns:a="http://schemas.openxmlformats.org/drawingml/2006/main" xmlns:r="http://schemas.openxmlformats.org/officeDocument/2006/relationships" xmlns:p="http://schemas.openxmlformats.org/presentationml/2006/main">
-  <p:cSld>
-    <p:spTree>
-      <p:nvGrpSpPr>
-        <p:cNvPr id="1" name=""/>
-        <p:cNvGrpSpPr/>
-        <p:nvPr/>
-      </p:nvGrpSpPr>
-      <p:grpSpPr>
-        <a:xfrm>
-          <a:off x="0" y="0"/>
-          <a:ext cx="0" cy="0"/>
-          <a:chOff x="0" y="0"/>
-          <a:chExt cx="0" cy="0"/>
-        </a:xfrm>
-      </p:grpSpPr>
-      <p:sp>
-        <p:nvSpPr>
-          <p:cNvPr id="2" name="Title 1">
-            <a:extLst>
-              <a:ext uri="{FF2B5EF4-FFF2-40B4-BE49-F238E27FC236}">
-                <a16:creationId xmlns:a16="http://schemas.microsoft.com/office/drawing/2014/main" id="{5B637FC5-DA55-B443-AF63-91C8B63214B2}"/>
-              </a:ext>
-            </a:extLst>
-          </p:cNvPr>
-          <p:cNvSpPr>
-            <a:spLocks noGrp="1"/>
-          </p:cNvSpPr>
-          <p:nvPr>
-            <p:ph type="ctrTitle"/>
-          </p:nvPr>
-        </p:nvSpPr>
-        <p:spPr/>
-        <p:txBody>
-          <a:bodyPr/>
-          <a:lstStyle/>
-          <a:p>
-            <a:endParaRPr lang="en-US"/>
-          </a:p>
-        </p:txBody>
-      </p:sp>
-      <p:sp>
-        <p:nvSpPr>
-          <p:cNvPr id="3" name="Subtitle 2">
-            <a:extLst>
-              <a:ext uri="{FF2B5EF4-FFF2-40B4-BE49-F238E27FC236}">
-                <a16:creationId xmlns:a16="http://schemas.microsoft.com/office/drawing/2014/main" id="{A9F89CAF-CB8F-BD4F-B1C0-42901A70BA63}"/>
-              </a:ext>
-            </a:extLst>
-          </p:cNvPr>
-          <p:cNvSpPr>
-            <a:spLocks noGrp="1"/>
-          </p:cNvSpPr>
-          <p:nvPr>
-            <p:ph type="subTitle" idx="1"/>
-          </p:nvPr>
-        </p:nvSpPr>
-        <p:spPr/>
-        <p:txBody>
-          <a:bodyPr/>
-          <a:lstStyle/>
-          <a:p>
-            <a:endParaRPr lang="en-US"/>
-          </a:p>
-        </p:txBody>
-      </p:sp>
-    </p:spTree>
-    <p:extLst>
-      <p:ext uri="{BB962C8B-B14F-4D97-AF65-F5344CB8AC3E}">
-        <p14:creationId xmlns:p14="http://schemas.microsoft.com/office/powerpoint/2010/main" val="2121883772"/>
-      </p:ext>
-    </p:extLst>
-  </p:cSld>
-  <p:clrMapOvr>
-    <a:masterClrMapping/>
-  </p:clrMapOvr>
-</p:sld>
-</file>
-
 <file path=ppt/slides/slide2.xml><?xml version="1.0" encoding="utf-8"?>
 <p:sld xmlns:a="http://schemas.openxmlformats.org/drawingml/2006/main" xmlns:r="http://schemas.openxmlformats.org/officeDocument/2006/relationships" xmlns:p="http://schemas.openxmlformats.org/presentationml/2006/main">
   <p:cSld>
@@ -3787,13 +3710,13 @@
             <a:spLocks noGrp="1"/>
           </p:cNvSpPr>
           <p:nvPr>
-            <p:ph sz="half" idx="2"/>
+            <p:ph sz="half" idx="1"/>
           </p:nvPr>
         </p:nvSpPr>
         <p:spPr>
           <a:xfrm>
-            <a:off x="6413771" y="2017343"/>
-            <a:ext cx="4645152" cy="3441520"/>
+            <a:off x="1447331" y="2010878"/>
+            <a:ext cx="4645152" cy="3448595"/>
           </a:xfrm>
         </p:spPr>
         <p:txBody>
@@ -3950,8 +3873,8 @@
         </p:nvSpPr>
         <p:spPr>
           <a:xfrm>
-            <a:off x="1451206" y="1129513"/>
-            <a:ext cx="5532328" cy="1830584"/>
+            <a:off x="1451579" y="804519"/>
+            <a:ext cx="9603275" cy="1049235"/>
           </a:xfrm>
         </p:spPr>
         <p:txBody>
@@ -3960,7 +3883,7 @@
           <a:p>
             <a:r>
               <a:rPr/>
-              <a:t>What is a Bear Market?</a:t>
+              <a:t>Investing in Stocks: Sample Corporate Stock Certificate</a:t>
             </a:r>
           </a:p>
         </p:txBody>
@@ -3979,8 +3902,8 @@
         </p:blipFill>
         <p:spPr>
           <a:xfrm>
-            <a:off x="8124389" y="1122542"/>
-            <a:ext cx="2791171" cy="1828800"/>
+            <a:off x="1451579" y="2015732"/>
+            <a:ext cx="9603275" cy="3450613"/>
           </a:xfrm>
           <a:prstGeom prst="rect">
             <a:avLst/>
@@ -4024,8 +3947,2694 @@
         </p:nvSpPr>
         <p:spPr>
           <a:xfrm>
-            <a:off x="1451206" y="1129513"/>
-            <a:ext cx="5532328" cy="1830584"/>
+            <a:off x="1451579" y="804519"/>
+            <a:ext cx="9603275" cy="1049235"/>
+          </a:xfrm>
+        </p:spPr>
+        <p:txBody>
+          <a:bodyPr/>
+          <a:lstStyle/>
+          <a:p>
+            <a:r>
+              <a:rPr/>
+              <a:t>Investing in Stocks: Sample Corporate Stock Certificate</a:t>
+            </a:r>
+          </a:p>
+        </p:txBody>
+      </p:sp>
+      <p:sp xmlns:a="http://schemas.openxmlformats.org/drawingml/2006/main" xmlns:r="http://schemas.openxmlformats.org/officeDocument/2006/relationships" xmlns:p="http://schemas.openxmlformats.org/presentationml/2006/main">
+        <p:nvSpPr>
+          <p:cNvPr id="3" name=""/>
+          <p:cNvSpPr>
+            <a:spLocks noGrp="1"/>
+          </p:cNvSpPr>
+          <p:nvPr>
+            <p:ph idx="1"/>
+          </p:nvPr>
+        </p:nvSpPr>
+        <p:spPr>
+          <a:xfrm>
+            <a:off x="1451579" y="2015732"/>
+            <a:ext cx="9603275" cy="3450613"/>
+          </a:xfrm>
+        </p:spPr>
+        <p:txBody>
+          <a:bodyPr/>
+          <a:lstStyle/>
+          <a:p>
+            <a:r>
+              <a:rPr/>
+              <a:t>A decline of 15-20% of the broad market coupled with pessimistic sentiment underlying the stock market.</a:t>
+            </a:r>
+          </a:p>
+        </p:txBody>
+      </p:sp>
+      <p:pic xmlns:a="http://schemas.openxmlformats.org/drawingml/2006/main" xmlns:r="http://schemas.openxmlformats.org/officeDocument/2006/relationships" xmlns:p="http://schemas.openxmlformats.org/presentationml/2006/main">
+        <p:nvPicPr>
+          <p:cNvPr id="4" name="pic"/>
+          <p:cNvPicPr/>
+          <p:nvPr/>
+        </p:nvPicPr>
+        <p:blipFill>
+          <a:blip cstate="print" r:embed="rId2"/>
+          <a:stretch>
+            <a:fillRect/>
+          </a:stretch>
+        </p:blipFill>
+        <p:spPr>
+          <a:xfrm>
+            <a:off x="6400800" y="3200400"/>
+            <a:ext cx="3657600" cy="2743200"/>
+          </a:xfrm>
+          <a:prstGeom prst="rect">
+            <a:avLst/>
+          </a:prstGeom>
+        </p:spPr>
+      </p:pic>
+    </p:spTree>
+  </p:cSld>
+  <p:clrMapOvr>
+    <a:masterClrMapping/>
+  </p:clrMapOvr>
+</p:sld>
+</file>
+
+<file path=ppt/slides/slide6.xml><?xml version="1.0" encoding="utf-8"?>
+<p:sld xmlns:a="http://schemas.openxmlformats.org/drawingml/2006/main" xmlns:r="http://schemas.openxmlformats.org/officeDocument/2006/relationships" xmlns:p="http://schemas.openxmlformats.org/presentationml/2006/main">
+  <p:cSld>
+    <p:spTree>
+      <p:nvGrpSpPr>
+        <p:cNvPr id="1" name=""/>
+        <p:cNvGrpSpPr/>
+        <p:nvPr/>
+      </p:nvGrpSpPr>
+      <p:grpSpPr>
+        <a:xfrm>
+          <a:off x="0" y="0"/>
+          <a:ext cx="0" cy="0"/>
+          <a:chOff x="0" y="0"/>
+          <a:chExt cx="0" cy="0"/>
+        </a:xfrm>
+      </p:grpSpPr>
+      <p:sp xmlns:a="http://schemas.openxmlformats.org/drawingml/2006/main" xmlns:r="http://schemas.openxmlformats.org/officeDocument/2006/relationships" xmlns:p="http://schemas.openxmlformats.org/presentationml/2006/main">
+        <p:nvSpPr>
+          <p:cNvPr id="2" name=""/>
+          <p:cNvSpPr>
+            <a:spLocks noGrp="1"/>
+          </p:cNvSpPr>
+          <p:nvPr>
+            <p:ph type="title"/>
+          </p:nvPr>
+        </p:nvSpPr>
+        <p:spPr>
+          <a:xfrm>
+            <a:off x="1451579" y="804519"/>
+            <a:ext cx="9603275" cy="1049235"/>
+          </a:xfrm>
+        </p:spPr>
+        <p:txBody>
+          <a:bodyPr/>
+          <a:lstStyle/>
+          <a:p>
+            <a:r>
+              <a:rPr/>
+              <a:t>What is a Bear Market?</a:t>
+            </a:r>
+          </a:p>
+        </p:txBody>
+      </p:sp>
+      <p:grpSp xmlns:a="http://schemas.openxmlformats.org/drawingml/2006/main" xmlns:r="http://schemas.openxmlformats.org/officeDocument/2006/relationships" xmlns:p="http://schemas.openxmlformats.org/presentationml/2006/main" xmlns:pic="http://schemas.openxmlformats.org/drawingml/2006/picture">
+        <p:nvGrpSpPr>
+          <p:cNvPr id="3" name="grp2"/>
+          <p:cNvGrpSpPr/>
+          <p:nvPr/>
+        </p:nvGrpSpPr>
+        <p:grpSpPr>
+          <a:xfrm>
+            <a:off x="1451579" y="2015732"/>
+            <a:ext cx="9603275" cy="3450613"/>
+            <a:chOff x="1451579" y="2015732"/>
+            <a:chExt cx="9603275" cy="3450613"/>
+          </a:xfrm>
+        </p:grpSpPr>
+        <p:sp>
+          <p:nvSpPr>
+            <p:cNvPr id="4" name="rc3"/>
+            <p:cNvSpPr/>
+            <p:nvPr/>
+          </p:nvSpPr>
+          <p:spPr>
+            <a:xfrm>
+              <a:off x="1451579" y="2015732"/>
+              <a:ext cx="9603275" cy="3450613"/>
+            </a:xfrm>
+            <a:prstGeom prst="rect">
+              <a:avLst/>
+            </a:prstGeom>
+            <a:solidFill>
+              <a:srgbClr val="FFFFFF">
+                <a:alpha val="100000"/>
+              </a:srgbClr>
+            </a:solidFill>
+            <a:ln w="9525" cap="rnd">
+              <a:solidFill>
+                <a:srgbClr val="FFFFFF">
+                  <a:alpha val="100000"/>
+                </a:srgbClr>
+              </a:solidFill>
+              <a:prstDash val="solid"/>
+              <a:round/>
+            </a:ln>
+          </p:spPr>
+          <p:txBody>
+            <a:bodyPr/>
+            <a:lstStyle/>
+            <a:p/>
+          </p:txBody>
+        </p:sp>
+        <p:sp>
+          <p:nvSpPr>
+            <p:cNvPr id="5" name="rc4"/>
+            <p:cNvSpPr/>
+            <p:nvPr/>
+          </p:nvSpPr>
+          <p:spPr>
+            <a:xfrm>
+              <a:off x="1451579" y="2015732"/>
+              <a:ext cx="9603275" cy="3450613"/>
+            </a:xfrm>
+            <a:prstGeom prst="rect">
+              <a:avLst/>
+            </a:prstGeom>
+            <a:solidFill>
+              <a:srgbClr val="FFFFFF">
+                <a:alpha val="100000"/>
+              </a:srgbClr>
+            </a:solidFill>
+            <a:ln w="13550" cap="rnd">
+              <a:solidFill>
+                <a:srgbClr val="FFFFFF">
+                  <a:alpha val="100000"/>
+                </a:srgbClr>
+              </a:solidFill>
+              <a:prstDash val="solid"/>
+              <a:round/>
+            </a:ln>
+          </p:spPr>
+          <p:txBody>
+            <a:bodyPr/>
+            <a:lstStyle/>
+            <a:p/>
+          </p:txBody>
+        </p:sp>
+        <p:sp>
+          <p:nvSpPr>
+            <p:cNvPr id="6" name="rc5"/>
+            <p:cNvSpPr/>
+            <p:nvPr/>
+          </p:nvSpPr>
+          <p:spPr>
+            <a:xfrm>
+              <a:off x="2068593" y="2085321"/>
+              <a:ext cx="8916671" cy="2967947"/>
+            </a:xfrm>
+            <a:prstGeom prst="rect">
+              <a:avLst/>
+            </a:prstGeom>
+            <a:solidFill>
+              <a:srgbClr val="EBEBEB">
+                <a:alpha val="100000"/>
+              </a:srgbClr>
+            </a:solidFill>
+          </p:spPr>
+          <p:txBody>
+            <a:bodyPr/>
+            <a:lstStyle/>
+            <a:p/>
+          </p:txBody>
+        </p:sp>
+        <p:sp>
+          <p:nvSpPr>
+            <p:cNvPr id="7" name="pl6"/>
+            <p:cNvSpPr/>
+            <p:nvPr/>
+          </p:nvSpPr>
+          <p:spPr>
+            <a:xfrm>
+              <a:off x="2068593" y="4528312"/>
+              <a:ext cx="8916671" cy="0"/>
+            </a:xfrm>
+            <a:custGeom>
+              <a:avLst/>
+              <a:pathLst>
+                <a:path w="8916671" h="0">
+                  <a:moveTo>
+                    <a:pt x="0" y="0"/>
+                  </a:moveTo>
+                  <a:lnTo>
+                    <a:pt x="8916671" y="0"/>
+                  </a:lnTo>
+                  <a:lnTo>
+                    <a:pt x="8916671" y="0"/>
+                  </a:lnTo>
+                </a:path>
+              </a:pathLst>
+            </a:custGeom>
+            <a:ln w="6775" cap="flat">
+              <a:solidFill>
+                <a:srgbClr val="FFFFFF">
+                  <a:alpha val="100000"/>
+                </a:srgbClr>
+              </a:solidFill>
+              <a:prstDash val="solid"/>
+              <a:round/>
+            </a:ln>
+          </p:spPr>
+          <p:txBody>
+            <a:bodyPr/>
+            <a:lstStyle/>
+            <a:p/>
+          </p:txBody>
+        </p:sp>
+        <p:sp>
+          <p:nvSpPr>
+            <p:cNvPr id="8" name="pl7"/>
+            <p:cNvSpPr/>
+            <p:nvPr/>
+          </p:nvSpPr>
+          <p:spPr>
+            <a:xfrm>
+              <a:off x="2068593" y="3476879"/>
+              <a:ext cx="8916671" cy="0"/>
+            </a:xfrm>
+            <a:custGeom>
+              <a:avLst/>
+              <a:pathLst>
+                <a:path w="8916671" h="0">
+                  <a:moveTo>
+                    <a:pt x="0" y="0"/>
+                  </a:moveTo>
+                  <a:lnTo>
+                    <a:pt x="8916671" y="0"/>
+                  </a:lnTo>
+                  <a:lnTo>
+                    <a:pt x="8916671" y="0"/>
+                  </a:lnTo>
+                </a:path>
+              </a:pathLst>
+            </a:custGeom>
+            <a:ln w="6775" cap="flat">
+              <a:solidFill>
+                <a:srgbClr val="FFFFFF">
+                  <a:alpha val="100000"/>
+                </a:srgbClr>
+              </a:solidFill>
+              <a:prstDash val="solid"/>
+              <a:round/>
+            </a:ln>
+          </p:spPr>
+          <p:txBody>
+            <a:bodyPr/>
+            <a:lstStyle/>
+            <a:p/>
+          </p:txBody>
+        </p:sp>
+        <p:sp>
+          <p:nvSpPr>
+            <p:cNvPr id="9" name="pl8"/>
+            <p:cNvSpPr/>
+            <p:nvPr/>
+          </p:nvSpPr>
+          <p:spPr>
+            <a:xfrm>
+              <a:off x="2068593" y="2425447"/>
+              <a:ext cx="8916671" cy="0"/>
+            </a:xfrm>
+            <a:custGeom>
+              <a:avLst/>
+              <a:pathLst>
+                <a:path w="8916671" h="0">
+                  <a:moveTo>
+                    <a:pt x="0" y="0"/>
+                  </a:moveTo>
+                  <a:lnTo>
+                    <a:pt x="8916671" y="0"/>
+                  </a:lnTo>
+                  <a:lnTo>
+                    <a:pt x="8916671" y="0"/>
+                  </a:lnTo>
+                </a:path>
+              </a:pathLst>
+            </a:custGeom>
+            <a:ln w="6775" cap="flat">
+              <a:solidFill>
+                <a:srgbClr val="FFFFFF">
+                  <a:alpha val="100000"/>
+                </a:srgbClr>
+              </a:solidFill>
+              <a:prstDash val="solid"/>
+              <a:round/>
+            </a:ln>
+          </p:spPr>
+          <p:txBody>
+            <a:bodyPr/>
+            <a:lstStyle/>
+            <a:p/>
+          </p:txBody>
+        </p:sp>
+        <p:sp>
+          <p:nvSpPr>
+            <p:cNvPr id="10" name="pl9"/>
+            <p:cNvSpPr/>
+            <p:nvPr/>
+          </p:nvSpPr>
+          <p:spPr>
+            <a:xfrm>
+              <a:off x="2473896" y="2085321"/>
+              <a:ext cx="0" cy="2967947"/>
+            </a:xfrm>
+            <a:custGeom>
+              <a:avLst/>
+              <a:pathLst>
+                <a:path w="0" h="2967947">
+                  <a:moveTo>
+                    <a:pt x="0" y="2967947"/>
+                  </a:moveTo>
+                  <a:lnTo>
+                    <a:pt x="0" y="0"/>
+                  </a:lnTo>
+                  <a:lnTo>
+                    <a:pt x="0" y="0"/>
+                  </a:lnTo>
+                </a:path>
+              </a:pathLst>
+            </a:custGeom>
+            <a:ln w="6775" cap="flat">
+              <a:solidFill>
+                <a:srgbClr val="FFFFFF">
+                  <a:alpha val="100000"/>
+                </a:srgbClr>
+              </a:solidFill>
+              <a:prstDash val="solid"/>
+              <a:round/>
+            </a:ln>
+          </p:spPr>
+          <p:txBody>
+            <a:bodyPr/>
+            <a:lstStyle/>
+            <a:p/>
+          </p:txBody>
+        </p:sp>
+        <p:sp>
+          <p:nvSpPr>
+            <p:cNvPr id="11" name="pl10"/>
+            <p:cNvSpPr/>
+            <p:nvPr/>
+          </p:nvSpPr>
+          <p:spPr>
+            <a:xfrm>
+              <a:off x="4869570" y="2085321"/>
+              <a:ext cx="0" cy="2967947"/>
+            </a:xfrm>
+            <a:custGeom>
+              <a:avLst/>
+              <a:pathLst>
+                <a:path w="0" h="2967947">
+                  <a:moveTo>
+                    <a:pt x="0" y="2967947"/>
+                  </a:moveTo>
+                  <a:lnTo>
+                    <a:pt x="0" y="0"/>
+                  </a:lnTo>
+                  <a:lnTo>
+                    <a:pt x="0" y="0"/>
+                  </a:lnTo>
+                </a:path>
+              </a:pathLst>
+            </a:custGeom>
+            <a:ln w="6775" cap="flat">
+              <a:solidFill>
+                <a:srgbClr val="FFFFFF">
+                  <a:alpha val="100000"/>
+                </a:srgbClr>
+              </a:solidFill>
+              <a:prstDash val="solid"/>
+              <a:round/>
+            </a:ln>
+          </p:spPr>
+          <p:txBody>
+            <a:bodyPr/>
+            <a:lstStyle/>
+            <a:p/>
+          </p:txBody>
+        </p:sp>
+        <p:sp>
+          <p:nvSpPr>
+            <p:cNvPr id="12" name="pl11"/>
+            <p:cNvSpPr/>
+            <p:nvPr/>
+          </p:nvSpPr>
+          <p:spPr>
+            <a:xfrm>
+              <a:off x="7265573" y="2085321"/>
+              <a:ext cx="0" cy="2967947"/>
+            </a:xfrm>
+            <a:custGeom>
+              <a:avLst/>
+              <a:pathLst>
+                <a:path w="0" h="2967947">
+                  <a:moveTo>
+                    <a:pt x="0" y="2967947"/>
+                  </a:moveTo>
+                  <a:lnTo>
+                    <a:pt x="0" y="0"/>
+                  </a:lnTo>
+                  <a:lnTo>
+                    <a:pt x="0" y="0"/>
+                  </a:lnTo>
+                </a:path>
+              </a:pathLst>
+            </a:custGeom>
+            <a:ln w="6775" cap="flat">
+              <a:solidFill>
+                <a:srgbClr val="FFFFFF">
+                  <a:alpha val="100000"/>
+                </a:srgbClr>
+              </a:solidFill>
+              <a:prstDash val="solid"/>
+              <a:round/>
+            </a:ln>
+          </p:spPr>
+          <p:txBody>
+            <a:bodyPr/>
+            <a:lstStyle/>
+            <a:p/>
+          </p:txBody>
+        </p:sp>
+        <p:sp>
+          <p:nvSpPr>
+            <p:cNvPr id="13" name="pl12"/>
+            <p:cNvSpPr/>
+            <p:nvPr/>
+          </p:nvSpPr>
+          <p:spPr>
+            <a:xfrm>
+              <a:off x="9661576" y="2085321"/>
+              <a:ext cx="0" cy="2967947"/>
+            </a:xfrm>
+            <a:custGeom>
+              <a:avLst/>
+              <a:pathLst>
+                <a:path w="0" h="2967947">
+                  <a:moveTo>
+                    <a:pt x="0" y="2967947"/>
+                  </a:moveTo>
+                  <a:lnTo>
+                    <a:pt x="0" y="0"/>
+                  </a:lnTo>
+                  <a:lnTo>
+                    <a:pt x="0" y="0"/>
+                  </a:lnTo>
+                </a:path>
+              </a:pathLst>
+            </a:custGeom>
+            <a:ln w="6775" cap="flat">
+              <a:solidFill>
+                <a:srgbClr val="FFFFFF">
+                  <a:alpha val="100000"/>
+                </a:srgbClr>
+              </a:solidFill>
+              <a:prstDash val="solid"/>
+              <a:round/>
+            </a:ln>
+          </p:spPr>
+          <p:txBody>
+            <a:bodyPr/>
+            <a:lstStyle/>
+            <a:p/>
+          </p:txBody>
+        </p:sp>
+        <p:sp>
+          <p:nvSpPr>
+            <p:cNvPr id="14" name="pl13"/>
+            <p:cNvSpPr/>
+            <p:nvPr/>
+          </p:nvSpPr>
+          <p:spPr>
+            <a:xfrm>
+              <a:off x="2068593" y="4002596"/>
+              <a:ext cx="8916671" cy="0"/>
+            </a:xfrm>
+            <a:custGeom>
+              <a:avLst/>
+              <a:pathLst>
+                <a:path w="8916671" h="0">
+                  <a:moveTo>
+                    <a:pt x="0" y="0"/>
+                  </a:moveTo>
+                  <a:lnTo>
+                    <a:pt x="8916671" y="0"/>
+                  </a:lnTo>
+                  <a:lnTo>
+                    <a:pt x="8916671" y="0"/>
+                  </a:lnTo>
+                </a:path>
+              </a:pathLst>
+            </a:custGeom>
+            <a:ln w="13550" cap="flat">
+              <a:solidFill>
+                <a:srgbClr val="FFFFFF">
+                  <a:alpha val="100000"/>
+                </a:srgbClr>
+              </a:solidFill>
+              <a:prstDash val="solid"/>
+              <a:round/>
+            </a:ln>
+          </p:spPr>
+          <p:txBody>
+            <a:bodyPr/>
+            <a:lstStyle/>
+            <a:p/>
+          </p:txBody>
+        </p:sp>
+        <p:sp>
+          <p:nvSpPr>
+            <p:cNvPr id="15" name="pl14"/>
+            <p:cNvSpPr/>
+            <p:nvPr/>
+          </p:nvSpPr>
+          <p:spPr>
+            <a:xfrm>
+              <a:off x="2068593" y="2951163"/>
+              <a:ext cx="8916671" cy="0"/>
+            </a:xfrm>
+            <a:custGeom>
+              <a:avLst/>
+              <a:pathLst>
+                <a:path w="8916671" h="0">
+                  <a:moveTo>
+                    <a:pt x="0" y="0"/>
+                  </a:moveTo>
+                  <a:lnTo>
+                    <a:pt x="8916671" y="0"/>
+                  </a:lnTo>
+                  <a:lnTo>
+                    <a:pt x="8916671" y="0"/>
+                  </a:lnTo>
+                </a:path>
+              </a:pathLst>
+            </a:custGeom>
+            <a:ln w="13550" cap="flat">
+              <a:solidFill>
+                <a:srgbClr val="FFFFFF">
+                  <a:alpha val="100000"/>
+                </a:srgbClr>
+              </a:solidFill>
+              <a:prstDash val="solid"/>
+              <a:round/>
+            </a:ln>
+          </p:spPr>
+          <p:txBody>
+            <a:bodyPr/>
+            <a:lstStyle/>
+            <a:p/>
+          </p:txBody>
+        </p:sp>
+        <p:sp>
+          <p:nvSpPr>
+            <p:cNvPr id="16" name="pl15"/>
+            <p:cNvSpPr/>
+            <p:nvPr/>
+          </p:nvSpPr>
+          <p:spPr>
+            <a:xfrm>
+              <a:off x="3671733" y="2085321"/>
+              <a:ext cx="0" cy="2967947"/>
+            </a:xfrm>
+            <a:custGeom>
+              <a:avLst/>
+              <a:pathLst>
+                <a:path w="0" h="2967947">
+                  <a:moveTo>
+                    <a:pt x="0" y="2967947"/>
+                  </a:moveTo>
+                  <a:lnTo>
+                    <a:pt x="0" y="0"/>
+                  </a:lnTo>
+                  <a:lnTo>
+                    <a:pt x="0" y="0"/>
+                  </a:lnTo>
+                </a:path>
+              </a:pathLst>
+            </a:custGeom>
+            <a:ln w="13550" cap="flat">
+              <a:solidFill>
+                <a:srgbClr val="FFFFFF">
+                  <a:alpha val="100000"/>
+                </a:srgbClr>
+              </a:solidFill>
+              <a:prstDash val="solid"/>
+              <a:round/>
+            </a:ln>
+          </p:spPr>
+          <p:txBody>
+            <a:bodyPr/>
+            <a:lstStyle/>
+            <a:p/>
+          </p:txBody>
+        </p:sp>
+        <p:sp>
+          <p:nvSpPr>
+            <p:cNvPr id="17" name="pl16"/>
+            <p:cNvSpPr/>
+            <p:nvPr/>
+          </p:nvSpPr>
+          <p:spPr>
+            <a:xfrm>
+              <a:off x="6067408" y="2085321"/>
+              <a:ext cx="0" cy="2967947"/>
+            </a:xfrm>
+            <a:custGeom>
+              <a:avLst/>
+              <a:pathLst>
+                <a:path w="0" h="2967947">
+                  <a:moveTo>
+                    <a:pt x="0" y="2967947"/>
+                  </a:moveTo>
+                  <a:lnTo>
+                    <a:pt x="0" y="0"/>
+                  </a:lnTo>
+                  <a:lnTo>
+                    <a:pt x="0" y="0"/>
+                  </a:lnTo>
+                </a:path>
+              </a:pathLst>
+            </a:custGeom>
+            <a:ln w="13550" cap="flat">
+              <a:solidFill>
+                <a:srgbClr val="FFFFFF">
+                  <a:alpha val="100000"/>
+                </a:srgbClr>
+              </a:solidFill>
+              <a:prstDash val="solid"/>
+              <a:round/>
+            </a:ln>
+          </p:spPr>
+          <p:txBody>
+            <a:bodyPr/>
+            <a:lstStyle/>
+            <a:p/>
+          </p:txBody>
+        </p:sp>
+        <p:sp>
+          <p:nvSpPr>
+            <p:cNvPr id="18" name="pl17"/>
+            <p:cNvSpPr/>
+            <p:nvPr/>
+          </p:nvSpPr>
+          <p:spPr>
+            <a:xfrm>
+              <a:off x="8463738" y="2085321"/>
+              <a:ext cx="0" cy="2967947"/>
+            </a:xfrm>
+            <a:custGeom>
+              <a:avLst/>
+              <a:pathLst>
+                <a:path w="0" h="2967947">
+                  <a:moveTo>
+                    <a:pt x="0" y="2967947"/>
+                  </a:moveTo>
+                  <a:lnTo>
+                    <a:pt x="0" y="0"/>
+                  </a:lnTo>
+                  <a:lnTo>
+                    <a:pt x="0" y="0"/>
+                  </a:lnTo>
+                </a:path>
+              </a:pathLst>
+            </a:custGeom>
+            <a:ln w="13550" cap="flat">
+              <a:solidFill>
+                <a:srgbClr val="FFFFFF">
+                  <a:alpha val="100000"/>
+                </a:srgbClr>
+              </a:solidFill>
+              <a:prstDash val="solid"/>
+              <a:round/>
+            </a:ln>
+          </p:spPr>
+          <p:txBody>
+            <a:bodyPr/>
+            <a:lstStyle/>
+            <a:p/>
+          </p:txBody>
+        </p:sp>
+        <p:sp>
+          <p:nvSpPr>
+            <p:cNvPr id="19" name="pl18"/>
+            <p:cNvSpPr/>
+            <p:nvPr/>
+          </p:nvSpPr>
+          <p:spPr>
+            <a:xfrm>
+              <a:off x="10859413" y="2085321"/>
+              <a:ext cx="0" cy="2967947"/>
+            </a:xfrm>
+            <a:custGeom>
+              <a:avLst/>
+              <a:pathLst>
+                <a:path w="0" h="2967947">
+                  <a:moveTo>
+                    <a:pt x="0" y="2967947"/>
+                  </a:moveTo>
+                  <a:lnTo>
+                    <a:pt x="0" y="0"/>
+                  </a:lnTo>
+                  <a:lnTo>
+                    <a:pt x="0" y="0"/>
+                  </a:lnTo>
+                </a:path>
+              </a:pathLst>
+            </a:custGeom>
+            <a:ln w="13550" cap="flat">
+              <a:solidFill>
+                <a:srgbClr val="FFFFFF">
+                  <a:alpha val="100000"/>
+                </a:srgbClr>
+              </a:solidFill>
+              <a:prstDash val="solid"/>
+              <a:round/>
+            </a:ln>
+          </p:spPr>
+          <p:txBody>
+            <a:bodyPr/>
+            <a:lstStyle/>
+            <a:p/>
+          </p:txBody>
+        </p:sp>
+        <p:sp>
+          <p:nvSpPr>
+            <p:cNvPr id="20" name="pl19"/>
+            <p:cNvSpPr/>
+            <p:nvPr/>
+          </p:nvSpPr>
+          <p:spPr>
+            <a:xfrm>
+              <a:off x="2473896" y="2220227"/>
+              <a:ext cx="8106065" cy="2698134"/>
+            </a:xfrm>
+            <a:custGeom>
+              <a:avLst/>
+              <a:pathLst>
+                <a:path w="8106065" h="2698134">
+                  <a:moveTo>
+                    <a:pt x="0" y="2696578"/>
+                  </a:moveTo>
+                  <a:lnTo>
+                    <a:pt x="20335" y="2696322"/>
+                  </a:lnTo>
+                  <a:lnTo>
+                    <a:pt x="38703" y="2696067"/>
+                  </a:lnTo>
+                  <a:lnTo>
+                    <a:pt x="59039" y="2698134"/>
+                  </a:lnTo>
+                  <a:lnTo>
+                    <a:pt x="78718" y="2694928"/>
+                  </a:lnTo>
+                  <a:lnTo>
+                    <a:pt x="99054" y="2692785"/>
+                  </a:lnTo>
+                  <a:lnTo>
+                    <a:pt x="118734" y="2689523"/>
+                  </a:lnTo>
+                  <a:lnTo>
+                    <a:pt x="139069" y="2690606"/>
+                  </a:lnTo>
+                  <a:lnTo>
+                    <a:pt x="159405" y="2692043"/>
+                  </a:lnTo>
+                  <a:lnTo>
+                    <a:pt x="179085" y="2688216"/>
+                  </a:lnTo>
+                  <a:lnTo>
+                    <a:pt x="199420" y="2677460"/>
+                  </a:lnTo>
+                  <a:lnTo>
+                    <a:pt x="219100" y="2668634"/>
+                  </a:lnTo>
+                  <a:lnTo>
+                    <a:pt x="239436" y="2667368"/>
+                  </a:lnTo>
+                  <a:lnTo>
+                    <a:pt x="259771" y="2651632"/>
+                  </a:lnTo>
+                  <a:lnTo>
+                    <a:pt x="278139" y="2639313"/>
+                  </a:lnTo>
+                  <a:lnTo>
+                    <a:pt x="298475" y="2637165"/>
+                  </a:lnTo>
+                  <a:lnTo>
+                    <a:pt x="318155" y="2634215"/>
+                  </a:lnTo>
+                  <a:lnTo>
+                    <a:pt x="338490" y="2633122"/>
+                  </a:lnTo>
+                  <a:lnTo>
+                    <a:pt x="358170" y="2631644"/>
+                  </a:lnTo>
+                  <a:lnTo>
+                    <a:pt x="378506" y="2632073"/>
+                  </a:lnTo>
+                  <a:lnTo>
+                    <a:pt x="398841" y="2630521"/>
+                  </a:lnTo>
+                  <a:lnTo>
+                    <a:pt x="418521" y="2634586"/>
+                  </a:lnTo>
+                  <a:lnTo>
+                    <a:pt x="438857" y="2631246"/>
+                  </a:lnTo>
+                  <a:lnTo>
+                    <a:pt x="458536" y="2626485"/>
+                  </a:lnTo>
+                  <a:lnTo>
+                    <a:pt x="478872" y="2600953"/>
+                  </a:lnTo>
+                  <a:lnTo>
+                    <a:pt x="499208" y="2595498"/>
+                  </a:lnTo>
+                  <a:lnTo>
+                    <a:pt x="517575" y="2581502"/>
+                  </a:lnTo>
+                  <a:lnTo>
+                    <a:pt x="537911" y="2578469"/>
+                  </a:lnTo>
+                  <a:lnTo>
+                    <a:pt x="557591" y="2583478"/>
+                  </a:lnTo>
+                  <a:lnTo>
+                    <a:pt x="577926" y="2574513"/>
+                  </a:lnTo>
+                  <a:lnTo>
+                    <a:pt x="597606" y="2561655"/>
+                  </a:lnTo>
+                  <a:lnTo>
+                    <a:pt x="617942" y="2545008"/>
+                  </a:lnTo>
+                  <a:lnTo>
+                    <a:pt x="638278" y="2550390"/>
+                  </a:lnTo>
+                  <a:lnTo>
+                    <a:pt x="657957" y="2553870"/>
+                  </a:lnTo>
+                  <a:lnTo>
+                    <a:pt x="678293" y="2620620"/>
+                  </a:lnTo>
+                  <a:lnTo>
+                    <a:pt x="697973" y="2621457"/>
+                  </a:lnTo>
+                  <a:lnTo>
+                    <a:pt x="718308" y="2615600"/>
+                  </a:lnTo>
+                  <a:lnTo>
+                    <a:pt x="738644" y="2615304"/>
+                  </a:lnTo>
+                  <a:lnTo>
+                    <a:pt x="757668" y="2611852"/>
+                  </a:lnTo>
+                  <a:lnTo>
+                    <a:pt x="778003" y="2610755"/>
+                  </a:lnTo>
+                  <a:lnTo>
+                    <a:pt x="797683" y="2615949"/>
+                  </a:lnTo>
+                  <a:lnTo>
+                    <a:pt x="818019" y="2605734"/>
+                  </a:lnTo>
+                  <a:lnTo>
+                    <a:pt x="837698" y="2605697"/>
+                  </a:lnTo>
+                  <a:lnTo>
+                    <a:pt x="858034" y="2607548"/>
+                  </a:lnTo>
+                  <a:lnTo>
+                    <a:pt x="878370" y="2608763"/>
+                  </a:lnTo>
+                  <a:lnTo>
+                    <a:pt x="898049" y="2603004"/>
+                  </a:lnTo>
+                  <a:lnTo>
+                    <a:pt x="918385" y="2603958"/>
+                  </a:lnTo>
+                  <a:lnTo>
+                    <a:pt x="938065" y="2603142"/>
+                  </a:lnTo>
+                  <a:lnTo>
+                    <a:pt x="958401" y="2586695"/>
+                  </a:lnTo>
+                  <a:lnTo>
+                    <a:pt x="978736" y="2584685"/>
+                  </a:lnTo>
+                  <a:lnTo>
+                    <a:pt x="997104" y="2586601"/>
+                  </a:lnTo>
+                  <a:lnTo>
+                    <a:pt x="1017440" y="2577976"/>
+                  </a:lnTo>
+                  <a:lnTo>
+                    <a:pt x="1037119" y="2568668"/>
+                  </a:lnTo>
+                  <a:lnTo>
+                    <a:pt x="1057455" y="2566216"/>
+                  </a:lnTo>
+                  <a:lnTo>
+                    <a:pt x="1077135" y="2553252"/>
+                  </a:lnTo>
+                  <a:lnTo>
+                    <a:pt x="1097470" y="2543738"/>
+                  </a:lnTo>
+                  <a:lnTo>
+                    <a:pt x="1117806" y="2542738"/>
+                  </a:lnTo>
+                  <a:lnTo>
+                    <a:pt x="1137486" y="2538444"/>
+                  </a:lnTo>
+                  <a:lnTo>
+                    <a:pt x="1157821" y="2547998"/>
+                  </a:lnTo>
+                  <a:lnTo>
+                    <a:pt x="1177501" y="2541000"/>
+                  </a:lnTo>
+                  <a:lnTo>
+                    <a:pt x="1197837" y="2535820"/>
+                  </a:lnTo>
+                  <a:lnTo>
+                    <a:pt x="1218172" y="2552613"/>
+                  </a:lnTo>
+                  <a:lnTo>
+                    <a:pt x="1236540" y="2542028"/>
+                  </a:lnTo>
+                  <a:lnTo>
+                    <a:pt x="1256876" y="2540086"/>
+                  </a:lnTo>
+                  <a:lnTo>
+                    <a:pt x="1276556" y="2528022"/>
+                  </a:lnTo>
+                  <a:lnTo>
+                    <a:pt x="1296891" y="2522899"/>
+                  </a:lnTo>
+                  <a:lnTo>
+                    <a:pt x="1316571" y="2515820"/>
+                  </a:lnTo>
+                  <a:lnTo>
+                    <a:pt x="1336907" y="2525605"/>
+                  </a:lnTo>
+                  <a:lnTo>
+                    <a:pt x="1357242" y="2553557"/>
+                  </a:lnTo>
+                  <a:lnTo>
+                    <a:pt x="1376922" y="2564071"/>
+                  </a:lnTo>
+                  <a:lnTo>
+                    <a:pt x="1397258" y="2562405"/>
+                  </a:lnTo>
+                  <a:lnTo>
+                    <a:pt x="1416937" y="2553844"/>
+                  </a:lnTo>
+                  <a:lnTo>
+                    <a:pt x="1437273" y="2544942"/>
+                  </a:lnTo>
+                  <a:lnTo>
+                    <a:pt x="1457609" y="2523081"/>
+                  </a:lnTo>
+                  <a:lnTo>
+                    <a:pt x="1475976" y="2516497"/>
+                  </a:lnTo>
+                  <a:lnTo>
+                    <a:pt x="1496312" y="2515169"/>
+                  </a:lnTo>
+                  <a:lnTo>
+                    <a:pt x="1515992" y="2513692"/>
+                  </a:lnTo>
+                  <a:lnTo>
+                    <a:pt x="1536327" y="2512328"/>
+                  </a:lnTo>
+                  <a:lnTo>
+                    <a:pt x="1556007" y="2514209"/>
+                  </a:lnTo>
+                  <a:lnTo>
+                    <a:pt x="1576343" y="2511152"/>
+                  </a:lnTo>
+                  <a:lnTo>
+                    <a:pt x="1596679" y="2511364"/>
+                  </a:lnTo>
+                  <a:lnTo>
+                    <a:pt x="1616358" y="2508801"/>
+                  </a:lnTo>
+                  <a:lnTo>
+                    <a:pt x="1636694" y="2508707"/>
+                  </a:lnTo>
+                  <a:lnTo>
+                    <a:pt x="1656374" y="2496857"/>
+                  </a:lnTo>
+                  <a:lnTo>
+                    <a:pt x="1676709" y="2486913"/>
+                  </a:lnTo>
+                  <a:lnTo>
+                    <a:pt x="1697045" y="2487524"/>
+                  </a:lnTo>
+                  <a:lnTo>
+                    <a:pt x="1716069" y="2486865"/>
+                  </a:lnTo>
+                  <a:lnTo>
+                    <a:pt x="1736404" y="2479835"/>
+                  </a:lnTo>
+                  <a:lnTo>
+                    <a:pt x="1756084" y="2472037"/>
+                  </a:lnTo>
+                  <a:lnTo>
+                    <a:pt x="1776420" y="2473971"/>
+                  </a:lnTo>
+                  <a:lnTo>
+                    <a:pt x="1796099" y="2476002"/>
+                  </a:lnTo>
+                  <a:lnTo>
+                    <a:pt x="1816435" y="2476314"/>
+                  </a:lnTo>
+                  <a:lnTo>
+                    <a:pt x="1836771" y="2478785"/>
+                  </a:lnTo>
+                  <a:lnTo>
+                    <a:pt x="1856450" y="2488841"/>
+                  </a:lnTo>
+                  <a:lnTo>
+                    <a:pt x="1876786" y="2485943"/>
+                  </a:lnTo>
+                  <a:lnTo>
+                    <a:pt x="1896466" y="2481285"/>
+                  </a:lnTo>
+                  <a:lnTo>
+                    <a:pt x="1916802" y="2484637"/>
+                  </a:lnTo>
+                  <a:lnTo>
+                    <a:pt x="1937137" y="2470348"/>
+                  </a:lnTo>
+                  <a:lnTo>
+                    <a:pt x="1955505" y="2467679"/>
+                  </a:lnTo>
+                  <a:lnTo>
+                    <a:pt x="1975841" y="2467736"/>
+                  </a:lnTo>
+                  <a:lnTo>
+                    <a:pt x="1995520" y="2458957"/>
+                  </a:lnTo>
+                  <a:lnTo>
+                    <a:pt x="2015856" y="2458462"/>
+                  </a:lnTo>
+                  <a:lnTo>
+                    <a:pt x="2035536" y="2457019"/>
+                  </a:lnTo>
+                  <a:lnTo>
+                    <a:pt x="2055871" y="2448573"/>
+                  </a:lnTo>
+                  <a:lnTo>
+                    <a:pt x="2076207" y="2449426"/>
+                  </a:lnTo>
+                  <a:lnTo>
+                    <a:pt x="2095887" y="2443843"/>
+                  </a:lnTo>
+                  <a:lnTo>
+                    <a:pt x="2116222" y="2442903"/>
+                  </a:lnTo>
+                  <a:lnTo>
+                    <a:pt x="2135902" y="2434264"/>
+                  </a:lnTo>
+                  <a:lnTo>
+                    <a:pt x="2156238" y="2414703"/>
+                  </a:lnTo>
+                  <a:lnTo>
+                    <a:pt x="2176573" y="2415118"/>
+                  </a:lnTo>
+                  <a:lnTo>
+                    <a:pt x="2194941" y="2424168"/>
+                  </a:lnTo>
+                  <a:lnTo>
+                    <a:pt x="2215277" y="2443630"/>
+                  </a:lnTo>
+                  <a:lnTo>
+                    <a:pt x="2234957" y="2437117"/>
+                  </a:lnTo>
+                  <a:lnTo>
+                    <a:pt x="2255292" y="2431797"/>
+                  </a:lnTo>
+                  <a:lnTo>
+                    <a:pt x="2274972" y="2437410"/>
+                  </a:lnTo>
+                  <a:lnTo>
+                    <a:pt x="2295308" y="2419607"/>
+                  </a:lnTo>
+                  <a:lnTo>
+                    <a:pt x="2315643" y="2414001"/>
+                  </a:lnTo>
+                  <a:lnTo>
+                    <a:pt x="2335323" y="2418501"/>
+                  </a:lnTo>
+                  <a:lnTo>
+                    <a:pt x="2355659" y="2422924"/>
+                  </a:lnTo>
+                  <a:lnTo>
+                    <a:pt x="2375338" y="2427274"/>
+                  </a:lnTo>
+                  <a:lnTo>
+                    <a:pt x="2395674" y="2419881"/>
+                  </a:lnTo>
+                  <a:lnTo>
+                    <a:pt x="2416010" y="2410995"/>
+                  </a:lnTo>
+                  <a:lnTo>
+                    <a:pt x="2434377" y="2392321"/>
+                  </a:lnTo>
+                  <a:lnTo>
+                    <a:pt x="2454713" y="2378685"/>
+                  </a:lnTo>
+                  <a:lnTo>
+                    <a:pt x="2474393" y="2364321"/>
+                  </a:lnTo>
+                  <a:lnTo>
+                    <a:pt x="2494729" y="2350867"/>
+                  </a:lnTo>
+                  <a:lnTo>
+                    <a:pt x="2514408" y="2334663"/>
+                  </a:lnTo>
+                  <a:lnTo>
+                    <a:pt x="2534744" y="2333848"/>
+                  </a:lnTo>
+                  <a:lnTo>
+                    <a:pt x="2555080" y="2327374"/>
+                  </a:lnTo>
+                  <a:lnTo>
+                    <a:pt x="2574759" y="2327336"/>
+                  </a:lnTo>
+                  <a:lnTo>
+                    <a:pt x="2595095" y="2295579"/>
+                  </a:lnTo>
+                  <a:lnTo>
+                    <a:pt x="2614775" y="2283310"/>
+                  </a:lnTo>
+                  <a:lnTo>
+                    <a:pt x="2635110" y="2265115"/>
+                  </a:lnTo>
+                  <a:lnTo>
+                    <a:pt x="2655446" y="2238753"/>
+                  </a:lnTo>
+                  <a:lnTo>
+                    <a:pt x="2674470" y="2233435"/>
+                  </a:lnTo>
+                  <a:lnTo>
+                    <a:pt x="2694805" y="2234727"/>
+                  </a:lnTo>
+                  <a:lnTo>
+                    <a:pt x="2714485" y="2224379"/>
+                  </a:lnTo>
+                  <a:lnTo>
+                    <a:pt x="2734821" y="2230011"/>
+                  </a:lnTo>
+                  <a:lnTo>
+                    <a:pt x="2754500" y="2230981"/>
+                  </a:lnTo>
+                  <a:lnTo>
+                    <a:pt x="2774836" y="2230381"/>
+                  </a:lnTo>
+                  <a:lnTo>
+                    <a:pt x="2795172" y="2210312"/>
+                  </a:lnTo>
+                  <a:lnTo>
+                    <a:pt x="2814852" y="2188880"/>
+                  </a:lnTo>
+                  <a:lnTo>
+                    <a:pt x="2835187" y="2140956"/>
+                  </a:lnTo>
+                  <a:lnTo>
+                    <a:pt x="2854867" y="2141216"/>
+                  </a:lnTo>
+                  <a:lnTo>
+                    <a:pt x="2875203" y="2107618"/>
+                  </a:lnTo>
+                  <a:lnTo>
+                    <a:pt x="2895538" y="2090057"/>
+                  </a:lnTo>
+                  <a:lnTo>
+                    <a:pt x="2913906" y="2086011"/>
+                  </a:lnTo>
+                  <a:lnTo>
+                    <a:pt x="2934242" y="2091747"/>
+                  </a:lnTo>
+                  <a:lnTo>
+                    <a:pt x="2953921" y="2056271"/>
+                  </a:lnTo>
+                  <a:lnTo>
+                    <a:pt x="2974257" y="2010102"/>
+                  </a:lnTo>
+                  <a:lnTo>
+                    <a:pt x="2993937" y="1962923"/>
+                  </a:lnTo>
+                  <a:lnTo>
+                    <a:pt x="3014272" y="1961165"/>
+                  </a:lnTo>
+                  <a:lnTo>
+                    <a:pt x="3034608" y="1988908"/>
+                  </a:lnTo>
+                  <a:lnTo>
+                    <a:pt x="3054288" y="1973234"/>
+                  </a:lnTo>
+                  <a:lnTo>
+                    <a:pt x="3074623" y="2005159"/>
+                  </a:lnTo>
+                  <a:lnTo>
+                    <a:pt x="3094303" y="1975170"/>
+                  </a:lnTo>
+                  <a:lnTo>
+                    <a:pt x="3114639" y="1988917"/>
+                  </a:lnTo>
+                  <a:lnTo>
+                    <a:pt x="3134974" y="1933050"/>
+                  </a:lnTo>
+                  <a:lnTo>
+                    <a:pt x="3153342" y="1891797"/>
+                  </a:lnTo>
+                  <a:lnTo>
+                    <a:pt x="3173678" y="1865081"/>
+                  </a:lnTo>
+                  <a:lnTo>
+                    <a:pt x="3193358" y="1859973"/>
+                  </a:lnTo>
+                  <a:lnTo>
+                    <a:pt x="3213693" y="1876500"/>
+                  </a:lnTo>
+                  <a:lnTo>
+                    <a:pt x="3233373" y="1848835"/>
+                  </a:lnTo>
+                  <a:lnTo>
+                    <a:pt x="3253709" y="1899485"/>
+                  </a:lnTo>
+                  <a:lnTo>
+                    <a:pt x="3274044" y="1973469"/>
+                  </a:lnTo>
+                  <a:lnTo>
+                    <a:pt x="3293724" y="1923280"/>
+                  </a:lnTo>
+                  <a:lnTo>
+                    <a:pt x="3314060" y="1847536"/>
+                  </a:lnTo>
+                  <a:lnTo>
+                    <a:pt x="3333739" y="1852301"/>
+                  </a:lnTo>
+                  <a:lnTo>
+                    <a:pt x="3354075" y="1819382"/>
+                  </a:lnTo>
+                  <a:lnTo>
+                    <a:pt x="3374411" y="1823234"/>
+                  </a:lnTo>
+                  <a:lnTo>
+                    <a:pt x="3392778" y="1773398"/>
+                  </a:lnTo>
+                  <a:lnTo>
+                    <a:pt x="3413114" y="1681250"/>
+                  </a:lnTo>
+                  <a:lnTo>
+                    <a:pt x="3432794" y="1663485"/>
+                  </a:lnTo>
+                  <a:lnTo>
+                    <a:pt x="3453130" y="1676866"/>
+                  </a:lnTo>
+                  <a:lnTo>
+                    <a:pt x="3472809" y="1650700"/>
+                  </a:lnTo>
+                  <a:lnTo>
+                    <a:pt x="3493145" y="1638749"/>
+                  </a:lnTo>
+                  <a:lnTo>
+                    <a:pt x="3513481" y="1662251"/>
+                  </a:lnTo>
+                  <a:lnTo>
+                    <a:pt x="3533160" y="1699303"/>
+                  </a:lnTo>
+                  <a:lnTo>
+                    <a:pt x="3553496" y="1665368"/>
+                  </a:lnTo>
+                  <a:lnTo>
+                    <a:pt x="3573176" y="1617422"/>
+                  </a:lnTo>
+                  <a:lnTo>
+                    <a:pt x="3593511" y="1598338"/>
+                  </a:lnTo>
+                  <a:lnTo>
+                    <a:pt x="3613847" y="1664720"/>
+                  </a:lnTo>
+                  <a:lnTo>
+                    <a:pt x="3632871" y="1652553"/>
+                  </a:lnTo>
+                  <a:lnTo>
+                    <a:pt x="3653206" y="1632491"/>
+                  </a:lnTo>
+                  <a:lnTo>
+                    <a:pt x="3672886" y="1680248"/>
+                  </a:lnTo>
+                  <a:lnTo>
+                    <a:pt x="3693222" y="1691629"/>
+                  </a:lnTo>
+                  <a:lnTo>
+                    <a:pt x="3712901" y="1690406"/>
+                  </a:lnTo>
+                  <a:lnTo>
+                    <a:pt x="3733237" y="1643678"/>
+                  </a:lnTo>
+                  <a:lnTo>
+                    <a:pt x="3753573" y="1635042"/>
+                  </a:lnTo>
+                  <a:lnTo>
+                    <a:pt x="3773253" y="1677707"/>
+                  </a:lnTo>
+                  <a:lnTo>
+                    <a:pt x="3793588" y="1676541"/>
+                  </a:lnTo>
+                  <a:lnTo>
+                    <a:pt x="3813268" y="1685880"/>
+                  </a:lnTo>
+                  <a:lnTo>
+                    <a:pt x="3833604" y="1674281"/>
+                  </a:lnTo>
+                  <a:lnTo>
+                    <a:pt x="3853939" y="1673530"/>
+                  </a:lnTo>
+                  <a:lnTo>
+                    <a:pt x="3872307" y="1691997"/>
+                  </a:lnTo>
+                  <a:lnTo>
+                    <a:pt x="3892643" y="1687065"/>
+                  </a:lnTo>
+                  <a:lnTo>
+                    <a:pt x="3912322" y="1640419"/>
+                  </a:lnTo>
+                  <a:lnTo>
+                    <a:pt x="3932658" y="1656561"/>
+                  </a:lnTo>
+                  <a:lnTo>
+                    <a:pt x="3952338" y="1710963"/>
+                  </a:lnTo>
+                  <a:lnTo>
+                    <a:pt x="3972673" y="1718267"/>
+                  </a:lnTo>
+                  <a:lnTo>
+                    <a:pt x="3993009" y="1763192"/>
+                  </a:lnTo>
+                  <a:lnTo>
+                    <a:pt x="4012689" y="1824617"/>
+                  </a:lnTo>
+                  <a:lnTo>
+                    <a:pt x="4033024" y="1783126"/>
+                  </a:lnTo>
+                  <a:lnTo>
+                    <a:pt x="4052704" y="1762974"/>
+                  </a:lnTo>
+                  <a:lnTo>
+                    <a:pt x="4073040" y="1750809"/>
+                  </a:lnTo>
+                  <a:lnTo>
+                    <a:pt x="4093376" y="1755531"/>
+                  </a:lnTo>
+                  <a:lnTo>
+                    <a:pt x="4111743" y="1711596"/>
+                  </a:lnTo>
+                  <a:lnTo>
+                    <a:pt x="4132079" y="1740093"/>
+                  </a:lnTo>
+                  <a:lnTo>
+                    <a:pt x="4151759" y="1745207"/>
+                  </a:lnTo>
+                  <a:lnTo>
+                    <a:pt x="4172094" y="1783788"/>
+                  </a:lnTo>
+                  <a:lnTo>
+                    <a:pt x="4191774" y="1844362"/>
+                  </a:lnTo>
+                  <a:lnTo>
+                    <a:pt x="4212110" y="1879414"/>
+                  </a:lnTo>
+                  <a:lnTo>
+                    <a:pt x="4232445" y="1916226"/>
+                  </a:lnTo>
+                  <a:lnTo>
+                    <a:pt x="4252125" y="1933918"/>
+                  </a:lnTo>
+                  <a:lnTo>
+                    <a:pt x="4272461" y="1892733"/>
+                  </a:lnTo>
+                  <a:lnTo>
+                    <a:pt x="4292140" y="1882951"/>
+                  </a:lnTo>
+                  <a:lnTo>
+                    <a:pt x="4312476" y="1901254"/>
+                  </a:lnTo>
+                  <a:lnTo>
+                    <a:pt x="4332812" y="1976617"/>
+                  </a:lnTo>
+                  <a:lnTo>
+                    <a:pt x="4351179" y="1937751"/>
+                  </a:lnTo>
+                  <a:lnTo>
+                    <a:pt x="4371515" y="1933798"/>
+                  </a:lnTo>
+                  <a:lnTo>
+                    <a:pt x="4391195" y="1901355"/>
+                  </a:lnTo>
+                  <a:lnTo>
+                    <a:pt x="4411531" y="1850420"/>
+                  </a:lnTo>
+                  <a:lnTo>
+                    <a:pt x="4431210" y="1849512"/>
+                  </a:lnTo>
+                  <a:lnTo>
+                    <a:pt x="4451546" y="1834943"/>
+                  </a:lnTo>
+                  <a:lnTo>
+                    <a:pt x="4471882" y="1815374"/>
+                  </a:lnTo>
+                  <a:lnTo>
+                    <a:pt x="4491561" y="1798138"/>
+                  </a:lnTo>
+                  <a:lnTo>
+                    <a:pt x="4511897" y="1792507"/>
+                  </a:lnTo>
+                  <a:lnTo>
+                    <a:pt x="4531577" y="1733745"/>
+                  </a:lnTo>
+                  <a:lnTo>
+                    <a:pt x="4551912" y="1708223"/>
+                  </a:lnTo>
+                  <a:lnTo>
+                    <a:pt x="4572248" y="1703129"/>
+                  </a:lnTo>
+                  <a:lnTo>
+                    <a:pt x="4591272" y="1709235"/>
+                  </a:lnTo>
+                  <a:lnTo>
+                    <a:pt x="4611607" y="1722351"/>
+                  </a:lnTo>
+                  <a:lnTo>
+                    <a:pt x="4631287" y="1741749"/>
+                  </a:lnTo>
+                  <a:lnTo>
+                    <a:pt x="4651623" y="1729936"/>
+                  </a:lnTo>
+                  <a:lnTo>
+                    <a:pt x="4671302" y="1735254"/>
+                  </a:lnTo>
+                  <a:lnTo>
+                    <a:pt x="4691638" y="1760156"/>
+                  </a:lnTo>
+                  <a:lnTo>
+                    <a:pt x="4711974" y="1744163"/>
+                  </a:lnTo>
+                  <a:lnTo>
+                    <a:pt x="4731654" y="1753940"/>
+                  </a:lnTo>
+                  <a:lnTo>
+                    <a:pt x="4751989" y="1718982"/>
+                  </a:lnTo>
+                  <a:lnTo>
+                    <a:pt x="4771669" y="1691096"/>
+                  </a:lnTo>
+                  <a:lnTo>
+                    <a:pt x="4792005" y="1691168"/>
+                  </a:lnTo>
+                  <a:lnTo>
+                    <a:pt x="4812340" y="1692635"/>
+                  </a:lnTo>
+                  <a:lnTo>
+                    <a:pt x="4830708" y="1678858"/>
+                  </a:lnTo>
+                  <a:lnTo>
+                    <a:pt x="4851044" y="1722549"/>
+                  </a:lnTo>
+                  <a:lnTo>
+                    <a:pt x="4870723" y="1723402"/>
+                  </a:lnTo>
+                  <a:lnTo>
+                    <a:pt x="4891059" y="1713363"/>
+                  </a:lnTo>
+                  <a:lnTo>
+                    <a:pt x="4910739" y="1706903"/>
+                  </a:lnTo>
+                  <a:lnTo>
+                    <a:pt x="4931074" y="1706727"/>
+                  </a:lnTo>
+                  <a:lnTo>
+                    <a:pt x="4951410" y="1708577"/>
+                  </a:lnTo>
+                  <a:lnTo>
+                    <a:pt x="4971090" y="1718382"/>
+                  </a:lnTo>
+                  <a:lnTo>
+                    <a:pt x="4991425" y="1681452"/>
+                  </a:lnTo>
+                  <a:lnTo>
+                    <a:pt x="5011105" y="1683497"/>
+                  </a:lnTo>
+                  <a:lnTo>
+                    <a:pt x="5031441" y="1672203"/>
+                  </a:lnTo>
+                  <a:lnTo>
+                    <a:pt x="5051777" y="1660488"/>
+                  </a:lnTo>
+                  <a:lnTo>
+                    <a:pt x="5070144" y="1642006"/>
+                  </a:lnTo>
+                  <a:lnTo>
+                    <a:pt x="5090480" y="1633310"/>
+                  </a:lnTo>
+                  <a:lnTo>
+                    <a:pt x="5110160" y="1606759"/>
+                  </a:lnTo>
+                  <a:lnTo>
+                    <a:pt x="5130495" y="1647172"/>
+                  </a:lnTo>
+                  <a:lnTo>
+                    <a:pt x="5150175" y="1650194"/>
+                  </a:lnTo>
+                  <a:lnTo>
+                    <a:pt x="5170511" y="1634423"/>
+                  </a:lnTo>
+                  <a:lnTo>
+                    <a:pt x="5190846" y="1599209"/>
+                  </a:lnTo>
+                  <a:lnTo>
+                    <a:pt x="5210526" y="1554520"/>
+                  </a:lnTo>
+                  <a:lnTo>
+                    <a:pt x="5230862" y="1534125"/>
+                  </a:lnTo>
+                  <a:lnTo>
+                    <a:pt x="5250541" y="1516368"/>
+                  </a:lnTo>
+                  <a:lnTo>
+                    <a:pt x="5270877" y="1503000"/>
+                  </a:lnTo>
+                  <a:lnTo>
+                    <a:pt x="5291213" y="1488395"/>
+                  </a:lnTo>
+                  <a:lnTo>
+                    <a:pt x="5309581" y="1518348"/>
+                  </a:lnTo>
+                  <a:lnTo>
+                    <a:pt x="5329916" y="1449899"/>
+                  </a:lnTo>
+                  <a:lnTo>
+                    <a:pt x="5349596" y="1396169"/>
+                  </a:lnTo>
+                  <a:lnTo>
+                    <a:pt x="5369932" y="1394179"/>
+                  </a:lnTo>
+                  <a:lnTo>
+                    <a:pt x="5389611" y="1359487"/>
+                  </a:lnTo>
+                  <a:lnTo>
+                    <a:pt x="5409947" y="1393777"/>
+                  </a:lnTo>
+                  <a:lnTo>
+                    <a:pt x="5430283" y="1369701"/>
+                  </a:lnTo>
+                  <a:lnTo>
+                    <a:pt x="5449962" y="1340966"/>
+                  </a:lnTo>
+                  <a:lnTo>
+                    <a:pt x="5470298" y="1369769"/>
+                  </a:lnTo>
+                  <a:lnTo>
+                    <a:pt x="5489978" y="1384915"/>
+                  </a:lnTo>
+                  <a:lnTo>
+                    <a:pt x="5510313" y="1437546"/>
+                  </a:lnTo>
+                  <a:lnTo>
+                    <a:pt x="5530649" y="1491359"/>
+                  </a:lnTo>
+                  <a:lnTo>
+                    <a:pt x="5549673" y="1506675"/>
+                  </a:lnTo>
+                  <a:lnTo>
+                    <a:pt x="5570008" y="1465887"/>
+                  </a:lnTo>
+                  <a:lnTo>
+                    <a:pt x="5589688" y="1452566"/>
+                  </a:lnTo>
+                  <a:lnTo>
+                    <a:pt x="5610024" y="1504991"/>
+                  </a:lnTo>
+                  <a:lnTo>
+                    <a:pt x="5629704" y="1603817"/>
+                  </a:lnTo>
+                  <a:lnTo>
+                    <a:pt x="5650039" y="1586054"/>
+                  </a:lnTo>
+                  <a:lnTo>
+                    <a:pt x="5670375" y="1594144"/>
+                  </a:lnTo>
+                  <a:lnTo>
+                    <a:pt x="5690055" y="1689577"/>
+                  </a:lnTo>
+                  <a:lnTo>
+                    <a:pt x="5710390" y="1818753"/>
+                  </a:lnTo>
+                  <a:lnTo>
+                    <a:pt x="5730070" y="1884734"/>
+                  </a:lnTo>
+                  <a:lnTo>
+                    <a:pt x="5750406" y="1878252"/>
+                  </a:lnTo>
+                  <a:lnTo>
+                    <a:pt x="5770741" y="1959527"/>
+                  </a:lnTo>
+                  <a:lnTo>
+                    <a:pt x="5789109" y="1999874"/>
+                  </a:lnTo>
+                  <a:lnTo>
+                    <a:pt x="5809445" y="1960322"/>
+                  </a:lnTo>
+                  <a:lnTo>
+                    <a:pt x="5829124" y="1930417"/>
+                  </a:lnTo>
+                  <a:lnTo>
+                    <a:pt x="5849460" y="1900346"/>
+                  </a:lnTo>
+                  <a:lnTo>
+                    <a:pt x="5869140" y="1861601"/>
+                  </a:lnTo>
+                  <a:lnTo>
+                    <a:pt x="5889475" y="1821250"/>
+                  </a:lnTo>
+                  <a:lnTo>
+                    <a:pt x="5909811" y="1790991"/>
+                  </a:lnTo>
+                  <a:lnTo>
+                    <a:pt x="5929491" y="1769806"/>
+                  </a:lnTo>
+                  <a:lnTo>
+                    <a:pt x="5949826" y="1730258"/>
+                  </a:lnTo>
+                  <a:lnTo>
+                    <a:pt x="5969506" y="1721350"/>
+                  </a:lnTo>
+                  <a:lnTo>
+                    <a:pt x="5989842" y="1705625"/>
+                  </a:lnTo>
+                  <a:lnTo>
+                    <a:pt x="6010178" y="1736257"/>
+                  </a:lnTo>
+                  <a:lnTo>
+                    <a:pt x="6028545" y="1681905"/>
+                  </a:lnTo>
+                  <a:lnTo>
+                    <a:pt x="6048881" y="1650097"/>
+                  </a:lnTo>
+                  <a:lnTo>
+                    <a:pt x="6068561" y="1658544"/>
+                  </a:lnTo>
+                  <a:lnTo>
+                    <a:pt x="6088896" y="1719896"/>
+                  </a:lnTo>
+                  <a:lnTo>
+                    <a:pt x="6108576" y="1720860"/>
+                  </a:lnTo>
+                  <a:lnTo>
+                    <a:pt x="6128912" y="1706671"/>
+                  </a:lnTo>
+                  <a:lnTo>
+                    <a:pt x="6149247" y="1682599"/>
+                  </a:lnTo>
+                  <a:lnTo>
+                    <a:pt x="6168927" y="1651191"/>
+                  </a:lnTo>
+                  <a:lnTo>
+                    <a:pt x="6189263" y="1629749"/>
+                  </a:lnTo>
+                  <a:lnTo>
+                    <a:pt x="6208942" y="1611510"/>
+                  </a:lnTo>
+                  <a:lnTo>
+                    <a:pt x="6229278" y="1569924"/>
+                  </a:lnTo>
+                  <a:lnTo>
+                    <a:pt x="6249614" y="1530940"/>
+                  </a:lnTo>
+                  <a:lnTo>
+                    <a:pt x="6267982" y="1531763"/>
+                  </a:lnTo>
+                  <a:lnTo>
+                    <a:pt x="6288317" y="1484515"/>
+                  </a:lnTo>
+                  <a:lnTo>
+                    <a:pt x="6307997" y="1479976"/>
+                  </a:lnTo>
+                  <a:lnTo>
+                    <a:pt x="6328333" y="1512203"/>
+                  </a:lnTo>
+                  <a:lnTo>
+                    <a:pt x="6348012" y="1492815"/>
+                  </a:lnTo>
+                  <a:lnTo>
+                    <a:pt x="6368348" y="1542387"/>
+                  </a:lnTo>
+                  <a:lnTo>
+                    <a:pt x="6388684" y="1601854"/>
+                  </a:lnTo>
+                  <a:lnTo>
+                    <a:pt x="6408363" y="1542188"/>
+                  </a:lnTo>
+                  <a:lnTo>
+                    <a:pt x="6428699" y="1552366"/>
+                  </a:lnTo>
+                  <a:lnTo>
+                    <a:pt x="6448379" y="1537545"/>
+                  </a:lnTo>
+                  <a:lnTo>
+                    <a:pt x="6468714" y="1483556"/>
+                  </a:lnTo>
+                  <a:lnTo>
+                    <a:pt x="6489050" y="1461076"/>
+                  </a:lnTo>
+                  <a:lnTo>
+                    <a:pt x="6508074" y="1436543"/>
+                  </a:lnTo>
+                  <a:lnTo>
+                    <a:pt x="6528409" y="1435699"/>
+                  </a:lnTo>
+                  <a:lnTo>
+                    <a:pt x="6548089" y="1431330"/>
+                  </a:lnTo>
+                  <a:lnTo>
+                    <a:pt x="6568425" y="1477564"/>
+                  </a:lnTo>
+                  <a:lnTo>
+                    <a:pt x="6588105" y="1453412"/>
+                  </a:lnTo>
+                  <a:lnTo>
+                    <a:pt x="6608440" y="1432161"/>
+                  </a:lnTo>
+                  <a:lnTo>
+                    <a:pt x="6628776" y="1398254"/>
+                  </a:lnTo>
+                  <a:lnTo>
+                    <a:pt x="6648456" y="1397347"/>
+                  </a:lnTo>
+                  <a:lnTo>
+                    <a:pt x="6668791" y="1436368"/>
+                  </a:lnTo>
+                  <a:lnTo>
+                    <a:pt x="6688471" y="1428470"/>
+                  </a:lnTo>
+                  <a:lnTo>
+                    <a:pt x="6708807" y="1364950"/>
+                  </a:lnTo>
+                  <a:lnTo>
+                    <a:pt x="6729142" y="1346113"/>
+                  </a:lnTo>
+                  <a:lnTo>
+                    <a:pt x="6747510" y="1300276"/>
+                  </a:lnTo>
+                  <a:lnTo>
+                    <a:pt x="6767846" y="1268479"/>
+                  </a:lnTo>
+                  <a:lnTo>
+                    <a:pt x="6787525" y="1199622"/>
+                  </a:lnTo>
+                  <a:lnTo>
+                    <a:pt x="6807861" y="1220893"/>
+                  </a:lnTo>
+                  <a:lnTo>
+                    <a:pt x="6827541" y="1189957"/>
+                  </a:lnTo>
+                  <a:lnTo>
+                    <a:pt x="6847876" y="1187422"/>
+                  </a:lnTo>
+                  <a:lnTo>
+                    <a:pt x="6868212" y="1182044"/>
+                  </a:lnTo>
+                  <a:lnTo>
+                    <a:pt x="6887892" y="1180843"/>
+                  </a:lnTo>
+                  <a:lnTo>
+                    <a:pt x="6908228" y="1133160"/>
+                  </a:lnTo>
+                  <a:lnTo>
+                    <a:pt x="6927907" y="1089658"/>
+                  </a:lnTo>
+                  <a:lnTo>
+                    <a:pt x="6948243" y="1091254"/>
+                  </a:lnTo>
+                  <a:lnTo>
+                    <a:pt x="6968579" y="1109562"/>
+                  </a:lnTo>
+                  <a:lnTo>
+                    <a:pt x="6986946" y="1098337"/>
+                  </a:lnTo>
+                  <a:lnTo>
+                    <a:pt x="7007282" y="1085097"/>
+                  </a:lnTo>
+                  <a:lnTo>
+                    <a:pt x="7026962" y="1074174"/>
+                  </a:lnTo>
+                  <a:lnTo>
+                    <a:pt x="7047297" y="1048676"/>
+                  </a:lnTo>
+                  <a:lnTo>
+                    <a:pt x="7066977" y="1030430"/>
+                  </a:lnTo>
+                  <a:lnTo>
+                    <a:pt x="7087313" y="1030194"/>
+                  </a:lnTo>
+                  <a:lnTo>
+                    <a:pt x="7107648" y="1009498"/>
+                  </a:lnTo>
+                  <a:lnTo>
+                    <a:pt x="7127328" y="1004777"/>
+                  </a:lnTo>
+                  <a:lnTo>
+                    <a:pt x="7147664" y="952280"/>
+                  </a:lnTo>
+                  <a:lnTo>
+                    <a:pt x="7167343" y="930345"/>
+                  </a:lnTo>
+                  <a:lnTo>
+                    <a:pt x="7187679" y="946292"/>
+                  </a:lnTo>
+                  <a:lnTo>
+                    <a:pt x="7208015" y="915527"/>
+                  </a:lnTo>
+                  <a:lnTo>
+                    <a:pt x="7226383" y="910874"/>
+                  </a:lnTo>
+                  <a:lnTo>
+                    <a:pt x="7246718" y="922763"/>
+                  </a:lnTo>
+                  <a:lnTo>
+                    <a:pt x="7266398" y="904279"/>
+                  </a:lnTo>
+                  <a:lnTo>
+                    <a:pt x="7286734" y="921370"/>
+                  </a:lnTo>
+                  <a:lnTo>
+                    <a:pt x="7306413" y="926805"/>
+                  </a:lnTo>
+                  <a:lnTo>
+                    <a:pt x="7326749" y="972264"/>
+                  </a:lnTo>
+                  <a:lnTo>
+                    <a:pt x="7347085" y="1053365"/>
+                  </a:lnTo>
+                  <a:lnTo>
+                    <a:pt x="7366764" y="962255"/>
+                  </a:lnTo>
+                  <a:lnTo>
+                    <a:pt x="7387100" y="943551"/>
+                  </a:lnTo>
+                  <a:lnTo>
+                    <a:pt x="7406780" y="951570"/>
+                  </a:lnTo>
+                  <a:lnTo>
+                    <a:pt x="7427115" y="1003732"/>
+                  </a:lnTo>
+                  <a:lnTo>
+                    <a:pt x="7447451" y="1067816"/>
+                  </a:lnTo>
+                  <a:lnTo>
+                    <a:pt x="7466475" y="963290"/>
+                  </a:lnTo>
+                  <a:lnTo>
+                    <a:pt x="7486810" y="923597"/>
+                  </a:lnTo>
+                  <a:lnTo>
+                    <a:pt x="7506490" y="948097"/>
+                  </a:lnTo>
+                  <a:lnTo>
+                    <a:pt x="7526826" y="939540"/>
+                  </a:lnTo>
+                  <a:lnTo>
+                    <a:pt x="7546506" y="875822"/>
+                  </a:lnTo>
+                  <a:lnTo>
+                    <a:pt x="7566841" y="865244"/>
+                  </a:lnTo>
+                  <a:lnTo>
+                    <a:pt x="7587177" y="883231"/>
+                  </a:lnTo>
+                  <a:lnTo>
+                    <a:pt x="7606857" y="899169"/>
+                  </a:lnTo>
+                  <a:lnTo>
+                    <a:pt x="7627192" y="812391"/>
+                  </a:lnTo>
+                  <a:lnTo>
+                    <a:pt x="7646872" y="732236"/>
+                  </a:lnTo>
+                  <a:lnTo>
+                    <a:pt x="7667208" y="717731"/>
+                  </a:lnTo>
+                  <a:lnTo>
+                    <a:pt x="7687543" y="641424"/>
+                  </a:lnTo>
+                  <a:lnTo>
+                    <a:pt x="7705911" y="608011"/>
+                  </a:lnTo>
+                  <a:lnTo>
+                    <a:pt x="7726247" y="618337"/>
+                  </a:lnTo>
+                  <a:lnTo>
+                    <a:pt x="7745926" y="613982"/>
+                  </a:lnTo>
+                  <a:lnTo>
+                    <a:pt x="7766262" y="569537"/>
+                  </a:lnTo>
+                  <a:lnTo>
+                    <a:pt x="7785942" y="528030"/>
+                  </a:lnTo>
+                  <a:lnTo>
+                    <a:pt x="7806277" y="501817"/>
+                  </a:lnTo>
+                  <a:lnTo>
+                    <a:pt x="7826613" y="476540"/>
+                  </a:lnTo>
+                  <a:lnTo>
+                    <a:pt x="7846293" y="364485"/>
+                  </a:lnTo>
+                  <a:lnTo>
+                    <a:pt x="7866629" y="275894"/>
+                  </a:lnTo>
+                  <a:lnTo>
+                    <a:pt x="7886308" y="218250"/>
+                  </a:lnTo>
+                  <a:lnTo>
+                    <a:pt x="7906644" y="35233"/>
+                  </a:lnTo>
+                  <a:lnTo>
+                    <a:pt x="7926980" y="67829"/>
+                  </a:lnTo>
+                  <a:lnTo>
+                    <a:pt x="7945347" y="157994"/>
+                  </a:lnTo>
+                  <a:lnTo>
+                    <a:pt x="7965683" y="220047"/>
+                  </a:lnTo>
+                  <a:lnTo>
+                    <a:pt x="7985363" y="196125"/>
+                  </a:lnTo>
+                  <a:lnTo>
+                    <a:pt x="8005698" y="162864"/>
+                  </a:lnTo>
+                  <a:lnTo>
+                    <a:pt x="8025378" y="143475"/>
+                  </a:lnTo>
+                  <a:lnTo>
+                    <a:pt x="8045714" y="82418"/>
+                  </a:lnTo>
+                  <a:lnTo>
+                    <a:pt x="8066049" y="19204"/>
+                  </a:lnTo>
+                  <a:lnTo>
+                    <a:pt x="8085729" y="0"/>
+                  </a:lnTo>
+                  <a:lnTo>
+                    <a:pt x="8106065" y="70865"/>
+                  </a:lnTo>
+                </a:path>
+              </a:pathLst>
+            </a:custGeom>
+            <a:ln w="13550" cap="flat">
+              <a:solidFill>
+                <a:srgbClr val="000000">
+                  <a:alpha val="100000"/>
+                </a:srgbClr>
+              </a:solidFill>
+              <a:prstDash val="solid"/>
+              <a:round/>
+            </a:ln>
+          </p:spPr>
+          <p:txBody>
+            <a:bodyPr/>
+            <a:lstStyle/>
+            <a:p/>
+          </p:txBody>
+        </p:sp>
+        <p:sp>
+          <p:nvSpPr>
+            <p:cNvPr id="21" name="tx20"/>
+            <p:cNvSpPr/>
+            <p:nvPr/>
+          </p:nvSpPr>
+          <p:spPr>
+            <a:xfrm>
+              <a:off x="1688121" y="3959931"/>
+              <a:ext cx="317841" cy="83542"/>
+            </a:xfrm>
+            <a:prstGeom prst="rect">
+              <a:avLst/>
+            </a:prstGeom>
+            <a:noFill/>
+          </p:spPr>
+          <p:txBody>
+            <a:bodyPr lIns="0" rIns="0" tIns="0" bIns="0" anchorCtr="1" anchor="ctr" wrap="none"/>
+            <a:lstStyle/>
+            <a:p>
+              <a:pPr algn="l" marL="0" marR="0" indent="0">
+                <a:lnSpc>
+                  <a:spcPts val="880"/>
+                </a:lnSpc>
+                <a:spcBef>
+                  <a:spcPts val="0"/>
+                </a:spcBef>
+                <a:spcAft>
+                  <a:spcPts val="0"/>
+                </a:spcAft>
+              </a:pPr>
+              <a:r>
+                <a:rPr sz="880">
+                  <a:solidFill>
+                    <a:srgbClr val="4D4D4D">
+                      <a:alpha val="100000"/>
+                    </a:srgbClr>
+                  </a:solidFill>
+                  <a:latin typeface="Arial"/>
+                  <a:cs typeface="Arial"/>
+                </a:rPr>
+                <a:t>10000</a:t>
+              </a:r>
+            </a:p>
+          </p:txBody>
+        </p:sp>
+        <p:sp>
+          <p:nvSpPr>
+            <p:cNvPr id="22" name="tx21"/>
+            <p:cNvSpPr/>
+            <p:nvPr/>
+          </p:nvSpPr>
+          <p:spPr>
+            <a:xfrm>
+              <a:off x="1688121" y="2908499"/>
+              <a:ext cx="317841" cy="83542"/>
+            </a:xfrm>
+            <a:prstGeom prst="rect">
+              <a:avLst/>
+            </a:prstGeom>
+            <a:noFill/>
+          </p:spPr>
+          <p:txBody>
+            <a:bodyPr lIns="0" rIns="0" tIns="0" bIns="0" anchorCtr="1" anchor="ctr" wrap="none"/>
+            <a:lstStyle/>
+            <a:p>
+              <a:pPr algn="l" marL="0" marR="0" indent="0">
+                <a:lnSpc>
+                  <a:spcPts val="880"/>
+                </a:lnSpc>
+                <a:spcBef>
+                  <a:spcPts val="0"/>
+                </a:spcBef>
+                <a:spcAft>
+                  <a:spcPts val="0"/>
+                </a:spcAft>
+              </a:pPr>
+              <a:r>
+                <a:rPr sz="880">
+                  <a:solidFill>
+                    <a:srgbClr val="4D4D4D">
+                      <a:alpha val="100000"/>
+                    </a:srgbClr>
+                  </a:solidFill>
+                  <a:latin typeface="Arial"/>
+                  <a:cs typeface="Arial"/>
+                </a:rPr>
+                <a:t>20000</a:t>
+              </a:r>
+            </a:p>
+          </p:txBody>
+        </p:sp>
+        <p:sp>
+          <p:nvSpPr>
+            <p:cNvPr id="23" name="pl22"/>
+            <p:cNvSpPr/>
+            <p:nvPr/>
+          </p:nvSpPr>
+          <p:spPr>
+            <a:xfrm>
+              <a:off x="2033798" y="4002596"/>
+              <a:ext cx="34794" cy="0"/>
+            </a:xfrm>
+            <a:custGeom>
+              <a:avLst/>
+              <a:pathLst>
+                <a:path w="34794" h="0">
+                  <a:moveTo>
+                    <a:pt x="0" y="0"/>
+                  </a:moveTo>
+                  <a:lnTo>
+                    <a:pt x="34794" y="0"/>
+                  </a:lnTo>
+                </a:path>
+              </a:pathLst>
+            </a:custGeom>
+            <a:ln w="13550" cap="flat">
+              <a:solidFill>
+                <a:srgbClr val="333333">
+                  <a:alpha val="100000"/>
+                </a:srgbClr>
+              </a:solidFill>
+              <a:prstDash val="solid"/>
+              <a:round/>
+            </a:ln>
+          </p:spPr>
+          <p:txBody>
+            <a:bodyPr/>
+            <a:lstStyle/>
+            <a:p/>
+          </p:txBody>
+        </p:sp>
+        <p:sp>
+          <p:nvSpPr>
+            <p:cNvPr id="24" name="pl23"/>
+            <p:cNvSpPr/>
+            <p:nvPr/>
+          </p:nvSpPr>
+          <p:spPr>
+            <a:xfrm>
+              <a:off x="2033798" y="2951163"/>
+              <a:ext cx="34794" cy="0"/>
+            </a:xfrm>
+            <a:custGeom>
+              <a:avLst/>
+              <a:pathLst>
+                <a:path w="34794" h="0">
+                  <a:moveTo>
+                    <a:pt x="0" y="0"/>
+                  </a:moveTo>
+                  <a:lnTo>
+                    <a:pt x="34794" y="0"/>
+                  </a:lnTo>
+                </a:path>
+              </a:pathLst>
+            </a:custGeom>
+            <a:ln w="13550" cap="flat">
+              <a:solidFill>
+                <a:srgbClr val="333333">
+                  <a:alpha val="100000"/>
+                </a:srgbClr>
+              </a:solidFill>
+              <a:prstDash val="solid"/>
+              <a:round/>
+            </a:ln>
+          </p:spPr>
+          <p:txBody>
+            <a:bodyPr/>
+            <a:lstStyle/>
+            <a:p/>
+          </p:txBody>
+        </p:sp>
+        <p:sp>
+          <p:nvSpPr>
+            <p:cNvPr id="25" name="pl24"/>
+            <p:cNvSpPr/>
+            <p:nvPr/>
+          </p:nvSpPr>
+          <p:spPr>
+            <a:xfrm>
+              <a:off x="3671733" y="5053268"/>
+              <a:ext cx="0" cy="34794"/>
+            </a:xfrm>
+            <a:custGeom>
+              <a:avLst/>
+              <a:pathLst>
+                <a:path w="0" h="34794">
+                  <a:moveTo>
+                    <a:pt x="0" y="34794"/>
+                  </a:moveTo>
+                  <a:lnTo>
+                    <a:pt x="0" y="0"/>
+                  </a:lnTo>
+                </a:path>
+              </a:pathLst>
+            </a:custGeom>
+            <a:ln w="13550" cap="flat">
+              <a:solidFill>
+                <a:srgbClr val="333333">
+                  <a:alpha val="100000"/>
+                </a:srgbClr>
+              </a:solidFill>
+              <a:prstDash val="solid"/>
+              <a:round/>
+            </a:ln>
+          </p:spPr>
+          <p:txBody>
+            <a:bodyPr/>
+            <a:lstStyle/>
+            <a:p/>
+          </p:txBody>
+        </p:sp>
+        <p:sp>
+          <p:nvSpPr>
+            <p:cNvPr id="26" name="pl25"/>
+            <p:cNvSpPr/>
+            <p:nvPr/>
+          </p:nvSpPr>
+          <p:spPr>
+            <a:xfrm>
+              <a:off x="6067408" y="5053268"/>
+              <a:ext cx="0" cy="34794"/>
+            </a:xfrm>
+            <a:custGeom>
+              <a:avLst/>
+              <a:pathLst>
+                <a:path w="0" h="34794">
+                  <a:moveTo>
+                    <a:pt x="0" y="34794"/>
+                  </a:moveTo>
+                  <a:lnTo>
+                    <a:pt x="0" y="0"/>
+                  </a:lnTo>
+                </a:path>
+              </a:pathLst>
+            </a:custGeom>
+            <a:ln w="13550" cap="flat">
+              <a:solidFill>
+                <a:srgbClr val="333333">
+                  <a:alpha val="100000"/>
+                </a:srgbClr>
+              </a:solidFill>
+              <a:prstDash val="solid"/>
+              <a:round/>
+            </a:ln>
+          </p:spPr>
+          <p:txBody>
+            <a:bodyPr/>
+            <a:lstStyle/>
+            <a:p/>
+          </p:txBody>
+        </p:sp>
+        <p:sp>
+          <p:nvSpPr>
+            <p:cNvPr id="27" name="pl26"/>
+            <p:cNvSpPr/>
+            <p:nvPr/>
+          </p:nvSpPr>
+          <p:spPr>
+            <a:xfrm>
+              <a:off x="8463738" y="5053268"/>
+              <a:ext cx="0" cy="34794"/>
+            </a:xfrm>
+            <a:custGeom>
+              <a:avLst/>
+              <a:pathLst>
+                <a:path w="0" h="34794">
+                  <a:moveTo>
+                    <a:pt x="0" y="34794"/>
+                  </a:moveTo>
+                  <a:lnTo>
+                    <a:pt x="0" y="0"/>
+                  </a:lnTo>
+                </a:path>
+              </a:pathLst>
+            </a:custGeom>
+            <a:ln w="13550" cap="flat">
+              <a:solidFill>
+                <a:srgbClr val="333333">
+                  <a:alpha val="100000"/>
+                </a:srgbClr>
+              </a:solidFill>
+              <a:prstDash val="solid"/>
+              <a:round/>
+            </a:ln>
+          </p:spPr>
+          <p:txBody>
+            <a:bodyPr/>
+            <a:lstStyle/>
+            <a:p/>
+          </p:txBody>
+        </p:sp>
+        <p:sp>
+          <p:nvSpPr>
+            <p:cNvPr id="28" name="pl27"/>
+            <p:cNvSpPr/>
+            <p:nvPr/>
+          </p:nvSpPr>
+          <p:spPr>
+            <a:xfrm>
+              <a:off x="10859413" y="5053268"/>
+              <a:ext cx="0" cy="34794"/>
+            </a:xfrm>
+            <a:custGeom>
+              <a:avLst/>
+              <a:pathLst>
+                <a:path w="0" h="34794">
+                  <a:moveTo>
+                    <a:pt x="0" y="34794"/>
+                  </a:moveTo>
+                  <a:lnTo>
+                    <a:pt x="0" y="0"/>
+                  </a:lnTo>
+                </a:path>
+              </a:pathLst>
+            </a:custGeom>
+            <a:ln w="13550" cap="flat">
+              <a:solidFill>
+                <a:srgbClr val="333333">
+                  <a:alpha val="100000"/>
+                </a:srgbClr>
+              </a:solidFill>
+              <a:prstDash val="solid"/>
+              <a:round/>
+            </a:ln>
+          </p:spPr>
+          <p:txBody>
+            <a:bodyPr/>
+            <a:lstStyle/>
+            <a:p/>
+          </p:txBody>
+        </p:sp>
+        <p:sp>
+          <p:nvSpPr>
+            <p:cNvPr id="29" name="tx28"/>
+            <p:cNvSpPr/>
+            <p:nvPr/>
+          </p:nvSpPr>
+          <p:spPr>
+            <a:xfrm>
+              <a:off x="3544597" y="5114113"/>
+              <a:ext cx="254272" cy="83542"/>
+            </a:xfrm>
+            <a:prstGeom prst="rect">
+              <a:avLst/>
+            </a:prstGeom>
+            <a:noFill/>
+          </p:spPr>
+          <p:txBody>
+            <a:bodyPr lIns="0" rIns="0" tIns="0" bIns="0" anchorCtr="1" anchor="ctr" wrap="none"/>
+            <a:lstStyle/>
+            <a:p>
+              <a:pPr algn="l" marL="0" marR="0" indent="0">
+                <a:lnSpc>
+                  <a:spcPts val="880"/>
+                </a:lnSpc>
+                <a:spcBef>
+                  <a:spcPts val="0"/>
+                </a:spcBef>
+                <a:spcAft>
+                  <a:spcPts val="0"/>
+                </a:spcAft>
+              </a:pPr>
+              <a:r>
+                <a:rPr sz="880">
+                  <a:solidFill>
+                    <a:srgbClr val="4D4D4D">
+                      <a:alpha val="100000"/>
+                    </a:srgbClr>
+                  </a:solidFill>
+                  <a:latin typeface="Arial"/>
+                  <a:cs typeface="Arial"/>
+                </a:rPr>
+                <a:t>1990</a:t>
+              </a:r>
+            </a:p>
+          </p:txBody>
+        </p:sp>
+        <p:sp>
+          <p:nvSpPr>
+            <p:cNvPr id="30" name="tx29"/>
+            <p:cNvSpPr/>
+            <p:nvPr/>
+          </p:nvSpPr>
+          <p:spPr>
+            <a:xfrm>
+              <a:off x="5940271" y="5114113"/>
+              <a:ext cx="254272" cy="83542"/>
+            </a:xfrm>
+            <a:prstGeom prst="rect">
+              <a:avLst/>
+            </a:prstGeom>
+            <a:noFill/>
+          </p:spPr>
+          <p:txBody>
+            <a:bodyPr lIns="0" rIns="0" tIns="0" bIns="0" anchorCtr="1" anchor="ctr" wrap="none"/>
+            <a:lstStyle/>
+            <a:p>
+              <a:pPr algn="l" marL="0" marR="0" indent="0">
+                <a:lnSpc>
+                  <a:spcPts val="880"/>
+                </a:lnSpc>
+                <a:spcBef>
+                  <a:spcPts val="0"/>
+                </a:spcBef>
+                <a:spcAft>
+                  <a:spcPts val="0"/>
+                </a:spcAft>
+              </a:pPr>
+              <a:r>
+                <a:rPr sz="880">
+                  <a:solidFill>
+                    <a:srgbClr val="4D4D4D">
+                      <a:alpha val="100000"/>
+                    </a:srgbClr>
+                  </a:solidFill>
+                  <a:latin typeface="Arial"/>
+                  <a:cs typeface="Arial"/>
+                </a:rPr>
+                <a:t>2000</a:t>
+              </a:r>
+            </a:p>
+          </p:txBody>
+        </p:sp>
+        <p:sp>
+          <p:nvSpPr>
+            <p:cNvPr id="31" name="tx30"/>
+            <p:cNvSpPr/>
+            <p:nvPr/>
+          </p:nvSpPr>
+          <p:spPr>
+            <a:xfrm>
+              <a:off x="8336602" y="5114113"/>
+              <a:ext cx="254272" cy="83542"/>
+            </a:xfrm>
+            <a:prstGeom prst="rect">
+              <a:avLst/>
+            </a:prstGeom>
+            <a:noFill/>
+          </p:spPr>
+          <p:txBody>
+            <a:bodyPr lIns="0" rIns="0" tIns="0" bIns="0" anchorCtr="1" anchor="ctr" wrap="none"/>
+            <a:lstStyle/>
+            <a:p>
+              <a:pPr algn="l" marL="0" marR="0" indent="0">
+                <a:lnSpc>
+                  <a:spcPts val="880"/>
+                </a:lnSpc>
+                <a:spcBef>
+                  <a:spcPts val="0"/>
+                </a:spcBef>
+                <a:spcAft>
+                  <a:spcPts val="0"/>
+                </a:spcAft>
+              </a:pPr>
+              <a:r>
+                <a:rPr sz="880">
+                  <a:solidFill>
+                    <a:srgbClr val="4D4D4D">
+                      <a:alpha val="100000"/>
+                    </a:srgbClr>
+                  </a:solidFill>
+                  <a:latin typeface="Arial"/>
+                  <a:cs typeface="Arial"/>
+                </a:rPr>
+                <a:t>2010</a:t>
+              </a:r>
+            </a:p>
+          </p:txBody>
+        </p:sp>
+        <p:sp>
+          <p:nvSpPr>
+            <p:cNvPr id="32" name="tx31"/>
+            <p:cNvSpPr/>
+            <p:nvPr/>
+          </p:nvSpPr>
+          <p:spPr>
+            <a:xfrm>
+              <a:off x="10732276" y="5114113"/>
+              <a:ext cx="254272" cy="83542"/>
+            </a:xfrm>
+            <a:prstGeom prst="rect">
+              <a:avLst/>
+            </a:prstGeom>
+            <a:noFill/>
+          </p:spPr>
+          <p:txBody>
+            <a:bodyPr lIns="0" rIns="0" tIns="0" bIns="0" anchorCtr="1" anchor="ctr" wrap="none"/>
+            <a:lstStyle/>
+            <a:p>
+              <a:pPr algn="l" marL="0" marR="0" indent="0">
+                <a:lnSpc>
+                  <a:spcPts val="880"/>
+                </a:lnSpc>
+                <a:spcBef>
+                  <a:spcPts val="0"/>
+                </a:spcBef>
+                <a:spcAft>
+                  <a:spcPts val="0"/>
+                </a:spcAft>
+              </a:pPr>
+              <a:r>
+                <a:rPr sz="880">
+                  <a:solidFill>
+                    <a:srgbClr val="4D4D4D">
+                      <a:alpha val="100000"/>
+                    </a:srgbClr>
+                  </a:solidFill>
+                  <a:latin typeface="Arial"/>
+                  <a:cs typeface="Arial"/>
+                </a:rPr>
+                <a:t>2020</a:t>
+              </a:r>
+            </a:p>
+          </p:txBody>
+        </p:sp>
+        <p:sp>
+          <p:nvSpPr>
+            <p:cNvPr id="33" name="tx32"/>
+            <p:cNvSpPr/>
+            <p:nvPr/>
+          </p:nvSpPr>
+          <p:spPr>
+            <a:xfrm>
+              <a:off x="6379384" y="5263009"/>
+              <a:ext cx="295088" cy="101600"/>
+            </a:xfrm>
+            <a:prstGeom prst="rect">
+              <a:avLst/>
+            </a:prstGeom>
+            <a:noFill/>
+          </p:spPr>
+          <p:txBody>
+            <a:bodyPr lIns="0" rIns="0" tIns="0" bIns="0" anchorCtr="1" anchor="ctr" wrap="none"/>
+            <a:lstStyle/>
+            <a:p>
+              <a:pPr algn="l" marL="0" marR="0" indent="0">
+                <a:lnSpc>
+                  <a:spcPts val="1100"/>
+                </a:lnSpc>
+                <a:spcBef>
+                  <a:spcPts val="0"/>
+                </a:spcBef>
+                <a:spcAft>
+                  <a:spcPts val="0"/>
+                </a:spcAft>
+              </a:pPr>
+              <a:r>
+                <a:rPr sz="1100">
+                  <a:solidFill>
+                    <a:srgbClr val="000000">
+                      <a:alpha val="100000"/>
+                    </a:srgbClr>
+                  </a:solidFill>
+                  <a:latin typeface="Arial"/>
+                  <a:cs typeface="Arial"/>
+                </a:rPr>
+                <a:t>Date</a:t>
+              </a:r>
+            </a:p>
+          </p:txBody>
+        </p:sp>
+        <p:sp>
+          <p:nvSpPr>
+            <p:cNvPr id="34" name="tx33"/>
+            <p:cNvSpPr/>
+            <p:nvPr/>
+          </p:nvSpPr>
+          <p:spPr>
+            <a:xfrm rot="-5400000">
+              <a:off x="1412833" y="3504604"/>
+              <a:ext cx="287312" cy="129381"/>
+            </a:xfrm>
+            <a:prstGeom prst="rect">
+              <a:avLst/>
+            </a:prstGeom>
+            <a:noFill/>
+          </p:spPr>
+          <p:txBody>
+            <a:bodyPr lIns="0" rIns="0" tIns="0" bIns="0" anchorCtr="1" anchor="ctr" wrap="none"/>
+            <a:lstStyle/>
+            <a:p>
+              <a:pPr algn="l" marL="0" marR="0" indent="0">
+                <a:lnSpc>
+                  <a:spcPts val="1100"/>
+                </a:lnSpc>
+                <a:spcBef>
+                  <a:spcPts val="0"/>
+                </a:spcBef>
+                <a:spcAft>
+                  <a:spcPts val="0"/>
+                </a:spcAft>
+              </a:pPr>
+              <a:r>
+                <a:rPr sz="1100">
+                  <a:solidFill>
+                    <a:srgbClr val="000000">
+                      <a:alpha val="100000"/>
+                    </a:srgbClr>
+                  </a:solidFill>
+                  <a:latin typeface="Arial"/>
+                  <a:cs typeface="Arial"/>
+                </a:rPr>
+                <a:t>High</a:t>
+              </a:r>
+            </a:p>
+          </p:txBody>
+        </p:sp>
+      </p:grpSp>
+    </p:spTree>
+  </p:cSld>
+  <p:clrMapOvr>
+    <a:masterClrMapping/>
+  </p:clrMapOvr>
+</p:sld>
+</file>
+
+<file path=ppt/slides/slide7.xml><?xml version="1.0" encoding="utf-8"?>
+<p:sld xmlns:a="http://schemas.openxmlformats.org/drawingml/2006/main" xmlns:r="http://schemas.openxmlformats.org/officeDocument/2006/relationships" xmlns:p="http://schemas.openxmlformats.org/presentationml/2006/main">
+  <p:cSld>
+    <p:spTree>
+      <p:nvGrpSpPr>
+        <p:cNvPr id="1" name=""/>
+        <p:cNvGrpSpPr/>
+        <p:nvPr/>
+      </p:nvGrpSpPr>
+      <p:grpSpPr>
+        <a:xfrm>
+          <a:off x="0" y="0"/>
+          <a:ext cx="0" cy="0"/>
+          <a:chOff x="0" y="0"/>
+          <a:chExt cx="0" cy="0"/>
+        </a:xfrm>
+      </p:grpSpPr>
+      <p:sp xmlns:a="http://schemas.openxmlformats.org/drawingml/2006/main" xmlns:r="http://schemas.openxmlformats.org/officeDocument/2006/relationships" xmlns:p="http://schemas.openxmlformats.org/presentationml/2006/main">
+        <p:nvSpPr>
+          <p:cNvPr id="2" name=""/>
+          <p:cNvSpPr>
+            <a:spLocks noGrp="1"/>
+          </p:cNvSpPr>
+          <p:nvPr>
+            <p:ph type="title"/>
+          </p:nvPr>
+        </p:nvSpPr>
+        <p:spPr>
+          <a:xfrm>
+            <a:off x="1451579" y="804519"/>
+            <a:ext cx="9603275" cy="1049235"/>
           </a:xfrm>
         </p:spPr>
         <p:txBody>
@@ -4053,14 +6662,273 @@
         </p:blipFill>
         <p:spPr>
           <a:xfrm>
-            <a:off x="8124389" y="1122542"/>
-            <a:ext cx="2791171" cy="1828800"/>
+            <a:off x="1451579" y="2015732"/>
+            <a:ext cx="9603275" cy="3450613"/>
           </a:xfrm>
           <a:prstGeom prst="rect">
             <a:avLst/>
           </a:prstGeom>
         </p:spPr>
       </p:pic>
+    </p:spTree>
+  </p:cSld>
+  <p:clrMapOvr>
+    <a:masterClrMapping/>
+  </p:clrMapOvr>
+</p:sld>
+</file>
+
+<file path=ppt/slides/slide8.xml><?xml version="1.0" encoding="utf-8"?>
+<p:sld xmlns:a="http://schemas.openxmlformats.org/drawingml/2006/main" xmlns:r="http://schemas.openxmlformats.org/officeDocument/2006/relationships" xmlns:p="http://schemas.openxmlformats.org/presentationml/2006/main">
+  <p:cSld>
+    <p:spTree>
+      <p:nvGrpSpPr>
+        <p:cNvPr id="1" name=""/>
+        <p:cNvGrpSpPr/>
+        <p:nvPr/>
+      </p:nvGrpSpPr>
+      <p:grpSpPr>
+        <a:xfrm>
+          <a:off x="0" y="0"/>
+          <a:ext cx="0" cy="0"/>
+          <a:chOff x="0" y="0"/>
+          <a:chExt cx="0" cy="0"/>
+        </a:xfrm>
+      </p:grpSpPr>
+      <p:sp xmlns:a="http://schemas.openxmlformats.org/drawingml/2006/main" xmlns:r="http://schemas.openxmlformats.org/officeDocument/2006/relationships" xmlns:p="http://schemas.openxmlformats.org/presentationml/2006/main">
+        <p:nvSpPr>
+          <p:cNvPr id="2" name=""/>
+          <p:cNvSpPr>
+            <a:spLocks noGrp="1"/>
+          </p:cNvSpPr>
+          <p:nvPr>
+            <p:ph type="title"/>
+          </p:nvPr>
+        </p:nvSpPr>
+        <p:spPr/>
+        <p:txBody xmlns:a="http://schemas.openxmlformats.org/drawingml/2006/main" xmlns:r="http://schemas.openxmlformats.org/officeDocument/2006/relationships" xmlns:p="http://schemas.openxmlformats.org/presentationml/2006/main">
+          <a:bodyPr/>
+          <a:lstStyle/>
+          <a:p xmlns:a="http://schemas.openxmlformats.org/drawingml/2006/main" xmlns:r="http://schemas.openxmlformats.org/officeDocument/2006/relationships" xmlns:p="http://schemas.openxmlformats.org/presentationml/2006/main">
+            <a:pPr xmlns:a="http://schemas.openxmlformats.org/drawingml/2006/main" xmlns:r="http://schemas.openxmlformats.org/officeDocument/2006/relationships" xmlns:p="http://schemas.openxmlformats.org/presentationml/2006/main"/>
+            <a:r>
+              <a:rPr sz="4400" b="1">
+                <a:solidFill>
+                  <a:srgbClr val="000000">
+                    <a:alpha val="100000"/>
+                  </a:srgbClr>
+                </a:solidFill>
+                <a:latin typeface="Arial (Headings)"/>
+                <a:cs typeface="Arial (Headings)"/>
+              </a:rPr>
+              <a:t>the last Bear Market</a:t>
+            </a:r>
+          </a:p>
+        </p:txBody>
+      </p:sp>
+      <p:sp xmlns:a="http://schemas.openxmlformats.org/drawingml/2006/main" xmlns:r="http://schemas.openxmlformats.org/officeDocument/2006/relationships" xmlns:p="http://schemas.openxmlformats.org/presentationml/2006/main">
+        <p:nvSpPr>
+          <p:cNvPr id="3" name=""/>
+          <p:cNvSpPr>
+            <a:spLocks noGrp="1"/>
+          </p:cNvSpPr>
+          <p:nvPr>
+            <p:ph idx="1"/>
+          </p:nvPr>
+        </p:nvSpPr>
+        <p:spPr>
+          <a:xfrm>
+            <a:off x="1451579" y="2015732"/>
+            <a:ext cx="9603275" cy="3450613"/>
+          </a:xfrm>
+        </p:spPr>
+        <p:txBody>
+          <a:bodyPr/>
+          <a:lstStyle/>
+          <a:p>
+            <a:pPr/>
+            <a:r>
+              <a:rPr sz="3600" b="1">
+                <a:solidFill>
+                  <a:srgbClr val="000000">
+                    <a:alpha val="100000"/>
+                  </a:srgbClr>
+                </a:solidFill>
+                <a:latin typeface="Arial"/>
+                <a:cs typeface="Arial"/>
+              </a:rPr>
+              <a:t>Sept. 30, 2002 Dow 7528</a:t>
+            </a:r>
+          </a:p>
+          <a:p>
+            <a:pPr/>
+            <a:r>
+              <a:rPr sz="3600" b="1">
+                <a:solidFill>
+                  <a:srgbClr val="000000">
+                    <a:alpha val="100000"/>
+                  </a:srgbClr>
+                </a:solidFill>
+                <a:latin typeface="Arial"/>
+                <a:cs typeface="Arial"/>
+              </a:rPr>
+              <a:t>Jan. 5, 2004 Dow 10,568</a:t>
+            </a:r>
+          </a:p>
+          <a:p>
+            <a:pPr/>
+            <a:r>
+              <a:rPr sz="3600" b="1">
+                <a:solidFill>
+                  <a:srgbClr val="000000">
+                    <a:alpha val="100000"/>
+                  </a:srgbClr>
+                </a:solidFill>
+                <a:latin typeface="Arial"/>
+                <a:cs typeface="Arial"/>
+              </a:rPr>
+              <a:t>Oct. 8, 2007 Dow 14093</a:t>
+            </a:r>
+          </a:p>
+        </p:txBody>
+      </p:sp>
+    </p:spTree>
+  </p:cSld>
+  <p:clrMapOvr>
+    <a:masterClrMapping/>
+  </p:clrMapOvr>
+</p:sld>
+</file>
+
+<file path=ppt/slides/slide9.xml><?xml version="1.0" encoding="utf-8"?>
+<p:sld xmlns:a="http://schemas.openxmlformats.org/drawingml/2006/main" xmlns:r="http://schemas.openxmlformats.org/officeDocument/2006/relationships" xmlns:p="http://schemas.openxmlformats.org/presentationml/2006/main">
+  <p:cSld>
+    <p:spTree>
+      <p:nvGrpSpPr>
+        <p:cNvPr id="1" name=""/>
+        <p:cNvGrpSpPr/>
+        <p:nvPr/>
+      </p:nvGrpSpPr>
+      <p:grpSpPr>
+        <a:xfrm>
+          <a:off x="0" y="0"/>
+          <a:ext cx="0" cy="0"/>
+          <a:chOff x="0" y="0"/>
+          <a:chExt cx="0" cy="0"/>
+        </a:xfrm>
+      </p:grpSpPr>
+      <p:sp xmlns:a="http://schemas.openxmlformats.org/drawingml/2006/main" xmlns:r="http://schemas.openxmlformats.org/officeDocument/2006/relationships" xmlns:p="http://schemas.openxmlformats.org/presentationml/2006/main">
+        <p:nvSpPr>
+          <p:cNvPr id="2" name=""/>
+          <p:cNvSpPr>
+            <a:spLocks noGrp="1"/>
+          </p:cNvSpPr>
+          <p:nvPr>
+            <p:ph type="title"/>
+          </p:nvPr>
+        </p:nvSpPr>
+        <p:spPr/>
+        <p:txBody xmlns:a="http://schemas.openxmlformats.org/drawingml/2006/main" xmlns:r="http://schemas.openxmlformats.org/officeDocument/2006/relationships" xmlns:p="http://schemas.openxmlformats.org/presentationml/2006/main">
+          <a:bodyPr/>
+          <a:lstStyle/>
+          <a:p xmlns:a="http://schemas.openxmlformats.org/drawingml/2006/main" xmlns:r="http://schemas.openxmlformats.org/officeDocument/2006/relationships" xmlns:p="http://schemas.openxmlformats.org/presentationml/2006/main">
+            <a:pPr xmlns:a="http://schemas.openxmlformats.org/drawingml/2006/main" xmlns:r="http://schemas.openxmlformats.org/officeDocument/2006/relationships" xmlns:p="http://schemas.openxmlformats.org/presentationml/2006/main"/>
+            <a:r>
+              <a:rPr sz="4400" b="1">
+                <a:solidFill>
+                  <a:srgbClr val="000000">
+                    <a:alpha val="100000"/>
+                  </a:srgbClr>
+                </a:solidFill>
+                <a:latin typeface="Arial (Headings)"/>
+                <a:cs typeface="Arial (Headings)"/>
+              </a:rPr>
+              <a:t>What I do in a Bear Market</a:t>
+            </a:r>
+          </a:p>
+        </p:txBody>
+      </p:sp>
+      <p:sp xmlns:a="http://schemas.openxmlformats.org/drawingml/2006/main" xmlns:r="http://schemas.openxmlformats.org/officeDocument/2006/relationships" xmlns:p="http://schemas.openxmlformats.org/presentationml/2006/main">
+        <p:nvSpPr>
+          <p:cNvPr id="3" name=""/>
+          <p:cNvSpPr>
+            <a:spLocks noGrp="1"/>
+          </p:cNvSpPr>
+          <p:nvPr>
+            <p:ph idx="1"/>
+          </p:nvPr>
+        </p:nvSpPr>
+        <p:spPr>
+          <a:xfrm>
+            <a:off x="1451579" y="2015732"/>
+            <a:ext cx="9603275" cy="3450613"/>
+          </a:xfrm>
+        </p:spPr>
+        <p:txBody>
+          <a:bodyPr/>
+          <a:lstStyle/>
+          <a:p>
+            <a:pPr/>
+            <a:r>
+              <a:rPr sz="2800" b="1">
+                <a:solidFill>
+                  <a:srgbClr val="000000">
+                    <a:alpha val="100000"/>
+                  </a:srgbClr>
+                </a:solidFill>
+                <a:latin typeface="Arial"/>
+                <a:cs typeface="Arial"/>
+              </a:rPr>
+              <a:t>Decide whether this is a market correction or the start of something more</a:t>
+            </a:r>
+          </a:p>
+          <a:p>
+            <a:pPr/>
+            <a:r>
+              <a:rPr sz="2800" b="1">
+                <a:solidFill>
+                  <a:srgbClr val="000000">
+                    <a:alpha val="100000"/>
+                  </a:srgbClr>
+                </a:solidFill>
+                <a:latin typeface="Arial"/>
+                <a:cs typeface="Arial"/>
+              </a:rPr>
+              <a:t>Review the stocks you own</a:t>
+            </a:r>
+          </a:p>
+          <a:p>
+            <a:pPr/>
+            <a:r>
+              <a:rPr sz="2800" b="1">
+                <a:solidFill>
+                  <a:srgbClr val="000000">
+                    <a:alpha val="100000"/>
+                  </a:srgbClr>
+                </a:solidFill>
+                <a:latin typeface="Arial"/>
+                <a:cs typeface="Arial"/>
+              </a:rPr>
+              <a:t>Review stocks you wanted to own but were too expensive at time of research</a:t>
+            </a:r>
+          </a:p>
+          <a:p>
+            <a:pPr/>
+            <a:r>
+              <a:rPr sz="2800" b="1">
+                <a:solidFill>
+                  <a:srgbClr val="000000">
+                    <a:alpha val="100000"/>
+                  </a:srgbClr>
+                </a:solidFill>
+                <a:latin typeface="Arial"/>
+                <a:cs typeface="Arial"/>
+              </a:rPr>
+              <a:t>Check your portfolio for balance or the type of stocks you own</a:t>
+            </a:r>
+          </a:p>
+        </p:txBody>
+      </p:sp>
     </p:spTree>
   </p:cSld>
   <p:clrMapOvr>

--- a/Officer.pptx
+++ b/Officer.pptx
@@ -3683,6 +3683,33 @@
             <a:spLocks noGrp="1"/>
           </p:cNvSpPr>
           <p:nvPr>
+            <p:ph type="title"/>
+          </p:nvPr>
+        </p:nvSpPr>
+        <p:spPr>
+          <a:xfrm>
+            <a:off x="1449217" y="804889"/>
+            <a:ext cx="9605635" cy="1059305"/>
+          </a:xfrm>
+        </p:spPr>
+        <p:txBody>
+          <a:bodyPr/>
+          <a:lstStyle/>
+          <a:p>
+            <a:r>
+              <a:rPr/>
+              <a:t>Investing in stock</a:t>
+            </a:r>
+          </a:p>
+        </p:txBody>
+      </p:sp>
+      <p:sp xmlns:a="http://schemas.openxmlformats.org/drawingml/2006/main" xmlns:r="http://schemas.openxmlformats.org/officeDocument/2006/relationships" xmlns:p="http://schemas.openxmlformats.org/presentationml/2006/main">
+        <p:nvSpPr>
+          <p:cNvPr id="3" name=""/>
+          <p:cNvSpPr>
+            <a:spLocks noGrp="1"/>
+          </p:cNvSpPr>
+          <p:nvPr>
             <p:ph sz="half" idx="1"/>
           </p:nvPr>
         </p:nvSpPr>
@@ -3734,7 +3761,7 @@
       </p:sp>
       <p:sp xmlns:a="http://schemas.openxmlformats.org/drawingml/2006/main" xmlns:r="http://schemas.openxmlformats.org/officeDocument/2006/relationships" xmlns:p="http://schemas.openxmlformats.org/presentationml/2006/main">
         <p:nvSpPr>
-          <p:cNvPr id="3" name=""/>
+          <p:cNvPr id="4" name=""/>
           <p:cNvSpPr>
             <a:spLocks noGrp="1"/>
           </p:cNvSpPr>
